--- a/Project Template.pptx
+++ b/Project Template.pptx
@@ -5,7 +5,7 @@
     <p:sldMasterId id="2147483712" r:id="rId4"/>
   </p:sldMasterIdLst>
   <p:notesMasterIdLst>
-    <p:notesMasterId r:id="rId17"/>
+    <p:notesMasterId r:id="rId20"/>
   </p:notesMasterIdLst>
   <p:sldIdLst>
     <p:sldId id="256" r:id="rId5"/>
@@ -13,13 +13,16 @@
     <p:sldId id="262" r:id="rId7"/>
     <p:sldId id="265" r:id="rId8"/>
     <p:sldId id="266" r:id="rId9"/>
-    <p:sldId id="267" r:id="rId10"/>
-    <p:sldId id="2146847056" r:id="rId11"/>
-    <p:sldId id="2146847057" r:id="rId12"/>
-    <p:sldId id="268" r:id="rId13"/>
-    <p:sldId id="2146847055" r:id="rId14"/>
-    <p:sldId id="269" r:id="rId15"/>
-    <p:sldId id="259" r:id="rId16"/>
+    <p:sldId id="2146847056" r:id="rId10"/>
+    <p:sldId id="2146847057" r:id="rId11"/>
+    <p:sldId id="2146847058" r:id="rId12"/>
+    <p:sldId id="2146847059" r:id="rId13"/>
+    <p:sldId id="2146847060" r:id="rId14"/>
+    <p:sldId id="267" r:id="rId15"/>
+    <p:sldId id="268" r:id="rId16"/>
+    <p:sldId id="2146847055" r:id="rId17"/>
+    <p:sldId id="269" r:id="rId18"/>
+    <p:sldId id="259" r:id="rId19"/>
   </p:sldIdLst>
   <p:sldSz cx="12192000" cy="6858000"/>
   <p:notesSz cx="6858000" cy="9144000"/>
@@ -227,7 +230,7 @@
           <a:p>
             <a:fld id="{46256A78-79A6-408F-8148-4F87BB81602D}" type="datetimeFigureOut">
               <a:rPr lang="en-IN" smtClean="0"/>
-              <a:t>24-09-2025</a:t>
+              <a:t>25-09-2025</a:t>
             </a:fld>
             <a:endParaRPr lang="en-IN"/>
           </a:p>
@@ -731,7 +734,7 @@
           <a:p>
             <a:fld id="{ED291B17-9318-49DB-B28B-6E5994AE9581}" type="datetime1">
               <a:rPr lang="en-US" smtClean="0"/>
-              <a:t>9/24/2025</a:t>
+              <a:t>9/25/2025</a:t>
             </a:fld>
             <a:endParaRPr lang="en-US"/>
           </a:p>
@@ -940,7 +943,7 @@
           <a:p>
             <a:fld id="{2CED4963-E985-44C4-B8C4-FDD613B7C2F8}" type="datetime1">
               <a:rPr lang="en-US" smtClean="0"/>
-              <a:t>9/24/2025</a:t>
+              <a:t>9/25/2025</a:t>
             </a:fld>
             <a:endParaRPr lang="en-US"/>
           </a:p>
@@ -1308,7 +1311,7 @@
           <a:p>
             <a:fld id="{ED291B17-9318-49DB-B28B-6E5994AE9581}" type="datetime1">
               <a:rPr lang="en-US" smtClean="0"/>
-              <a:t>9/24/2025</a:t>
+              <a:t>9/25/2025</a:t>
             </a:fld>
             <a:endParaRPr lang="en-US"/>
           </a:p>
@@ -1512,7 +1515,7 @@
           <a:p>
             <a:fld id="{78DD82B9-B8EE-4375-B6FF-88FA6ABB15D9}" type="datetime1">
               <a:rPr lang="en-US" smtClean="0"/>
-              <a:t>9/24/2025</a:t>
+              <a:t>9/25/2025</a:t>
             </a:fld>
             <a:endParaRPr lang="en-US"/>
           </a:p>
@@ -1769,7 +1772,7 @@
           <a:p>
             <a:fld id="{B2497495-0637-405E-AE64-5CC7506D51F5}" type="datetime1">
               <a:rPr lang="en-US" smtClean="0"/>
-              <a:t>9/24/2025</a:t>
+              <a:t>9/25/2025</a:t>
             </a:fld>
             <a:endParaRPr lang="en-US"/>
           </a:p>
@@ -2027,7 +2030,7 @@
           <a:p>
             <a:fld id="{7BFFD690-9426-415D-8B65-26881E07B2D4}" type="datetime1">
               <a:rPr lang="en-US" smtClean="0"/>
-              <a:t>9/24/2025</a:t>
+              <a:t>9/25/2025</a:t>
             </a:fld>
             <a:endParaRPr lang="en-US"/>
           </a:p>
@@ -2454,7 +2457,7 @@
           <a:p>
             <a:fld id="{04C4989A-474C-40DE-95B9-011C28B71673}" type="datetime1">
               <a:rPr lang="en-US" smtClean="0"/>
-              <a:t>9/24/2025</a:t>
+              <a:t>9/25/2025</a:t>
             </a:fld>
             <a:endParaRPr lang="en-US"/>
           </a:p>
@@ -2584,7 +2587,7 @@
           <a:p>
             <a:fld id="{5DB4ED54-5B5E-4A04-93D3-5772E3CE3818}" type="datetime1">
               <a:rPr lang="en-US" smtClean="0"/>
-              <a:t>9/24/2025</a:t>
+              <a:t>9/25/2025</a:t>
             </a:fld>
             <a:endParaRPr lang="en-US"/>
           </a:p>
@@ -2687,7 +2690,7 @@
           <a:p>
             <a:fld id="{4EDE50D6-574B-40AF-946F-D52A04ADE379}" type="datetime1">
               <a:rPr lang="en-US" smtClean="0"/>
-              <a:t>9/24/2025</a:t>
+              <a:t>9/25/2025</a:t>
             </a:fld>
             <a:endParaRPr lang="en-US"/>
           </a:p>
@@ -3070,7 +3073,7 @@
           <a:p>
             <a:fld id="{D82884F1-FFEA-405F-9602-3DCA865EDA4E}" type="datetime1">
               <a:rPr lang="en-US" smtClean="0"/>
-              <a:t>9/24/2025</a:t>
+              <a:t>9/25/2025</a:t>
             </a:fld>
             <a:endParaRPr lang="en-US"/>
           </a:p>
@@ -3364,7 +3367,7 @@
           <a:p>
             <a:fld id="{7E18DB4A-8810-4A10-AD5C-D5E2C667F5B3}" type="datetime1">
               <a:rPr lang="en-US" smtClean="0"/>
-              <a:t>9/24/2025</a:t>
+              <a:t>9/25/2025</a:t>
             </a:fld>
             <a:endParaRPr lang="en-US"/>
           </a:p>
@@ -3585,7 +3588,7 @@
           <a:p>
             <a:fld id="{ED291B17-9318-49DB-B28B-6E5994AE9581}" type="datetime1">
               <a:rPr lang="en-US" smtClean="0"/>
-              <a:t>9/24/2025</a:t>
+              <a:t>9/25/2025</a:t>
             </a:fld>
             <a:endParaRPr lang="en-US"/>
           </a:p>
@@ -4297,7 +4300,7 @@
         <p:spPr>
           <a:xfrm>
             <a:off x="3117529" y="4586365"/>
-            <a:ext cx="7980183" cy="1323439"/>
+            <a:ext cx="7980183" cy="1631216"/>
           </a:xfrm>
           <a:prstGeom prst="rect">
             <a:avLst/>
@@ -4421,6 +4424,17 @@
               </a:rPr>
               <a:t>Department - Bachelor of Computer Applications (BCA)</a:t>
             </a:r>
+          </a:p>
+          <a:p>
+            <a:endParaRPr lang="en-US" sz="2000" b="1" dirty="0">
+              <a:solidFill>
+                <a:schemeClr val="accent1">
+                  <a:lumMod val="75000"/>
+                </a:schemeClr>
+              </a:solidFill>
+              <a:latin typeface="Arial"/>
+              <a:cs typeface="Arial"/>
+            </a:endParaRPr>
           </a:p>
         </p:txBody>
       </p:sp>
@@ -4442,7 +4456,13 @@
   <p:cSld>
     <p:spTree>
       <p:nvGrpSpPr>
-        <p:cNvPr id="1" name=""/>
+        <p:cNvPr id="1" name="">
+          <a:extLst>
+            <a:ext uri="{FF2B5EF4-FFF2-40B4-BE49-F238E27FC236}">
+              <a16:creationId xmlns:a16="http://schemas.microsoft.com/office/drawing/2014/main" id="{9C07F057-CE90-7F53-F177-A456BD4AFF53}"/>
+            </a:ext>
+          </a:extLst>
+        </p:cNvPr>
         <p:cNvGrpSpPr/>
         <p:nvPr/>
       </p:nvGrpSpPr>
@@ -4459,489 +4479,73 @@
           <p:cNvPr id="5" name="Title 4">
             <a:extLst>
               <a:ext uri="{FF2B5EF4-FFF2-40B4-BE49-F238E27FC236}">
-                <a16:creationId xmlns:a16="http://schemas.microsoft.com/office/drawing/2014/main" id="{3F968F13-9AC4-7120-7ACD-9F752C767D5D}"/>
+                <a16:creationId xmlns:a16="http://schemas.microsoft.com/office/drawing/2014/main" id="{47C8F12E-809E-9537-162C-78C841C91B1C}"/>
               </a:ext>
             </a:extLst>
           </p:cNvPr>
-          <p:cNvSpPr txBox="1">
-            <a:spLocks/>
+          <p:cNvSpPr>
+            <a:spLocks noGrp="1"/>
           </p:cNvSpPr>
-          <p:nvPr/>
-        </p:nvSpPr>
-        <p:spPr>
-          <a:xfrm>
-            <a:off x="535670" y="844659"/>
-            <a:ext cx="11029616" cy="530296"/>
-          </a:xfrm>
-          <a:prstGeom prst="rect">
-            <a:avLst/>
-          </a:prstGeom>
-        </p:spPr>
+          <p:nvPr>
+            <p:ph type="title"/>
+          </p:nvPr>
+        </p:nvSpPr>
+        <p:spPr/>
         <p:txBody>
-          <a:bodyPr vert="horz" lIns="91440" tIns="45720" rIns="91440" bIns="45720" rtlCol="0" anchor="b">
-            <a:normAutofit fontScale="75000" lnSpcReduction="20000"/>
+          <a:bodyPr>
+            <a:normAutofit fontScale="90000"/>
           </a:bodyPr>
-          <a:lstStyle>
-            <a:lvl1pPr algn="l" defTabSz="457200" rtl="0" eaLnBrk="1" latinLnBrk="0" hangingPunct="1">
-              <a:lnSpc>
-                <a:spcPct val="100000"/>
-              </a:lnSpc>
-              <a:spcBef>
-                <a:spcPct val="0"/>
-              </a:spcBef>
-              <a:buNone/>
-              <a:defRPr sz="2800" b="0" kern="1200" cap="all">
-                <a:solidFill>
-                  <a:schemeClr val="tx1">
-                    <a:lumMod val="75000"/>
-                    <a:lumOff val="25000"/>
-                  </a:schemeClr>
-                </a:solidFill>
-                <a:latin typeface="+mj-lt"/>
-                <a:ea typeface="+mj-ea"/>
-                <a:cs typeface="+mj-cs"/>
-              </a:defRPr>
-            </a:lvl1pPr>
-            <a:lvl2pPr eaLnBrk="1" hangingPunct="1">
-              <a:defRPr>
-                <a:solidFill>
-                  <a:schemeClr val="tx2"/>
-                </a:solidFill>
-              </a:defRPr>
-            </a:lvl2pPr>
-            <a:lvl3pPr eaLnBrk="1" hangingPunct="1">
-              <a:defRPr>
-                <a:solidFill>
-                  <a:schemeClr val="tx2"/>
-                </a:solidFill>
-              </a:defRPr>
-            </a:lvl3pPr>
-            <a:lvl4pPr eaLnBrk="1" hangingPunct="1">
-              <a:defRPr>
-                <a:solidFill>
-                  <a:schemeClr val="tx2"/>
-                </a:solidFill>
-              </a:defRPr>
-            </a:lvl4pPr>
-            <a:lvl5pPr eaLnBrk="1" hangingPunct="1">
-              <a:defRPr>
-                <a:solidFill>
-                  <a:schemeClr val="tx2"/>
-                </a:solidFill>
-              </a:defRPr>
-            </a:lvl5pPr>
-            <a:lvl6pPr eaLnBrk="1" hangingPunct="1">
-              <a:defRPr>
-                <a:solidFill>
-                  <a:schemeClr val="tx2"/>
-                </a:solidFill>
-              </a:defRPr>
-            </a:lvl6pPr>
-            <a:lvl7pPr eaLnBrk="1" hangingPunct="1">
-              <a:defRPr>
-                <a:solidFill>
-                  <a:schemeClr val="tx2"/>
-                </a:solidFill>
-              </a:defRPr>
-            </a:lvl7pPr>
-            <a:lvl8pPr eaLnBrk="1" hangingPunct="1">
-              <a:defRPr>
-                <a:solidFill>
-                  <a:schemeClr val="tx2"/>
-                </a:solidFill>
-              </a:defRPr>
-            </a:lvl8pPr>
-            <a:lvl9pPr eaLnBrk="1" hangingPunct="1">
-              <a:defRPr>
-                <a:solidFill>
-                  <a:schemeClr val="tx2"/>
-                </a:solidFill>
-              </a:defRPr>
-            </a:lvl9pPr>
-          </a:lstStyle>
-          <a:p>
-            <a:r>
-              <a:rPr lang="en-US" sz="4400" b="1" dirty="0">
+          <a:lstStyle/>
+          <a:p>
+            <a:r>
+              <a:rPr lang="en-US" sz="4400" b="1">
                 <a:solidFill>
                   <a:schemeClr val="accent1"/>
                 </a:solidFill>
                 <a:latin typeface="Arial"/>
+                <a:ea typeface="+mj-lt"/>
                 <a:cs typeface="Arial"/>
               </a:rPr>
-              <a:t>Future scope(Optional)</a:t>
-            </a:r>
+              <a:t>Result</a:t>
+            </a:r>
+            <a:endParaRPr lang="en-US"/>
           </a:p>
         </p:txBody>
       </p:sp>
-      <p:sp>
-        <p:nvSpPr>
-          <p:cNvPr id="2" name="TextBox 1">
+      <p:pic>
+        <p:nvPicPr>
+          <p:cNvPr id="6" name="Content Placeholder 10">
             <a:extLst>
               <a:ext uri="{FF2B5EF4-FFF2-40B4-BE49-F238E27FC236}">
-                <a16:creationId xmlns:a16="http://schemas.microsoft.com/office/drawing/2014/main" id="{B2A1EEA5-4584-D4A7-ED38-01B86E6D4643}"/>
+                <a16:creationId xmlns:a16="http://schemas.microsoft.com/office/drawing/2014/main" id="{31A93273-A9C0-FC2C-94BF-59EBEF95F3D1}"/>
               </a:ext>
             </a:extLst>
           </p:cNvPr>
-          <p:cNvSpPr txBox="1"/>
-          <p:nvPr/>
-        </p:nvSpPr>
+          <p:cNvPicPr>
+            <a:picLocks noGrp="1" noChangeAspect="1"/>
+          </p:cNvPicPr>
+          <p:nvPr>
+            <p:ph sz="half" idx="1"/>
+          </p:nvPr>
+        </p:nvPicPr>
+        <p:blipFill>
+          <a:blip r:embed="rId2"/>
+          <a:srcRect b="650"/>
+          <a:stretch>
+            <a:fillRect/>
+          </a:stretch>
+        </p:blipFill>
         <p:spPr>
           <a:xfrm>
-            <a:off x="535670" y="1489026"/>
-            <a:ext cx="11029616" cy="4524315"/>
+            <a:off x="581191" y="1232452"/>
+            <a:ext cx="9971079" cy="5182862"/>
           </a:xfrm>
-          <a:prstGeom prst="rect">
-            <a:avLst/>
-          </a:prstGeom>
-          <a:noFill/>
         </p:spPr>
-        <p:txBody>
-          <a:bodyPr wrap="square" rtlCol="0">
-            <a:spAutoFit/>
-          </a:bodyPr>
-          <a:lstStyle/>
-          <a:p>
-            <a:pPr marL="285750" lvl="0" indent="-285750" eaLnBrk="0" fontAlgn="base" hangingPunct="0">
-              <a:spcBef>
-                <a:spcPct val="0"/>
-              </a:spcBef>
-              <a:spcAft>
-                <a:spcPct val="0"/>
-              </a:spcAft>
-              <a:buFont typeface="Arial" panose="020B0604020202020204" pitchFamily="34" charset="0"/>
-              <a:buChar char="•"/>
-            </a:pPr>
-            <a:r>
-              <a:rPr lang="en-US" altLang="en-US" dirty="0">
-                <a:latin typeface="Arial" panose="020B0604020202020204" pitchFamily="34" charset="0"/>
-              </a:rPr>
-              <a:t>Right now, my project is </a:t>
-            </a:r>
-            <a:r>
-              <a:rPr lang="en-US" altLang="en-US" b="1" dirty="0">
-                <a:latin typeface="Arial" panose="020B0604020202020204" pitchFamily="34" charset="0"/>
-              </a:rPr>
-              <a:t>frontend only</a:t>
-            </a:r>
-            <a:r>
-              <a:rPr lang="en-US" altLang="en-US" dirty="0">
-                <a:latin typeface="Arial" panose="020B0604020202020204" pitchFamily="34" charset="0"/>
-              </a:rPr>
-              <a:t> (HTML, CSS, JS, </a:t>
-            </a:r>
-            <a:r>
-              <a:rPr lang="en-US" altLang="en-US" dirty="0" err="1">
-                <a:latin typeface="Arial" panose="020B0604020202020204" pitchFamily="34" charset="0"/>
-              </a:rPr>
-              <a:t>localStorage</a:t>
-            </a:r>
-            <a:r>
-              <a:rPr lang="en-US" altLang="en-US" dirty="0">
-                <a:latin typeface="Arial" panose="020B0604020202020204" pitchFamily="34" charset="0"/>
-              </a:rPr>
-              <a:t>). In the future, I can connect it to a </a:t>
-            </a:r>
-            <a:r>
-              <a:rPr lang="en-US" altLang="en-US" b="1" dirty="0">
-                <a:latin typeface="Arial" panose="020B0604020202020204" pitchFamily="34" charset="0"/>
-              </a:rPr>
-              <a:t>backend (Node.js, Express, MongoDB)</a:t>
-            </a:r>
-            <a:r>
-              <a:rPr lang="en-US" altLang="en-US" dirty="0">
-                <a:latin typeface="Arial" panose="020B0604020202020204" pitchFamily="34" charset="0"/>
-              </a:rPr>
-              <a:t> to manage products and customer orders.</a:t>
-            </a:r>
-          </a:p>
-          <a:p>
-            <a:pPr marL="285750" lvl="0" indent="-285750" eaLnBrk="0" fontAlgn="base" hangingPunct="0">
-              <a:spcBef>
-                <a:spcPct val="0"/>
-              </a:spcBef>
-              <a:spcAft>
-                <a:spcPct val="0"/>
-              </a:spcAft>
-              <a:buFont typeface="Arial" panose="020B0604020202020204" pitchFamily="34" charset="0"/>
-              <a:buChar char="•"/>
-            </a:pPr>
-            <a:endParaRPr lang="en-US" altLang="en-US" dirty="0">
-              <a:latin typeface="Arial" panose="020B0604020202020204" pitchFamily="34" charset="0"/>
-            </a:endParaRPr>
-          </a:p>
-          <a:p>
-            <a:pPr marL="285750" lvl="0" indent="-285750" eaLnBrk="0" fontAlgn="base" hangingPunct="0">
-              <a:spcBef>
-                <a:spcPct val="0"/>
-              </a:spcBef>
-              <a:spcAft>
-                <a:spcPct val="0"/>
-              </a:spcAft>
-              <a:buFont typeface="Arial" panose="020B0604020202020204" pitchFamily="34" charset="0"/>
-              <a:buChar char="•"/>
-            </a:pPr>
-            <a:r>
-              <a:rPr lang="en-US" altLang="en-US" dirty="0">
-                <a:latin typeface="Arial" panose="020B0604020202020204" pitchFamily="34" charset="0"/>
-              </a:rPr>
-              <a:t>A </a:t>
-            </a:r>
-            <a:r>
-              <a:rPr lang="en-US" altLang="en-US" b="1" dirty="0">
-                <a:latin typeface="Arial" panose="020B0604020202020204" pitchFamily="34" charset="0"/>
-              </a:rPr>
-              <a:t>secure payment gateway (</a:t>
-            </a:r>
-            <a:r>
-              <a:rPr lang="en-US" altLang="en-US" b="1" dirty="0" err="1">
-                <a:latin typeface="Arial" panose="020B0604020202020204" pitchFamily="34" charset="0"/>
-              </a:rPr>
-              <a:t>Razorpay</a:t>
-            </a:r>
-            <a:r>
-              <a:rPr lang="en-US" altLang="en-US" b="1" dirty="0">
-                <a:latin typeface="Arial" panose="020B0604020202020204" pitchFamily="34" charset="0"/>
-              </a:rPr>
-              <a:t>, PayPal, Stripe)</a:t>
-            </a:r>
-            <a:r>
-              <a:rPr lang="en-US" altLang="en-US" dirty="0">
-                <a:latin typeface="Arial" panose="020B0604020202020204" pitchFamily="34" charset="0"/>
-              </a:rPr>
-              <a:t> can be added so customers can pay online safely.</a:t>
-            </a:r>
-          </a:p>
-          <a:p>
-            <a:pPr marL="285750" lvl="0" indent="-285750" eaLnBrk="0" fontAlgn="base" hangingPunct="0">
-              <a:spcBef>
-                <a:spcPct val="0"/>
-              </a:spcBef>
-              <a:spcAft>
-                <a:spcPct val="0"/>
-              </a:spcAft>
-              <a:buFont typeface="Arial" panose="020B0604020202020204" pitchFamily="34" charset="0"/>
-              <a:buChar char="•"/>
-            </a:pPr>
-            <a:endParaRPr lang="en-US" altLang="en-US" dirty="0">
-              <a:latin typeface="Arial" panose="020B0604020202020204" pitchFamily="34" charset="0"/>
-            </a:endParaRPr>
-          </a:p>
-          <a:p>
-            <a:pPr marL="285750" lvl="0" indent="-285750" eaLnBrk="0" fontAlgn="base" hangingPunct="0">
-              <a:spcBef>
-                <a:spcPct val="0"/>
-              </a:spcBef>
-              <a:spcAft>
-                <a:spcPct val="0"/>
-              </a:spcAft>
-              <a:buFont typeface="Arial" panose="020B0604020202020204" pitchFamily="34" charset="0"/>
-              <a:buChar char="•"/>
-            </a:pPr>
-            <a:r>
-              <a:rPr lang="en-US" altLang="en-US" dirty="0">
-                <a:latin typeface="Arial" panose="020B0604020202020204" pitchFamily="34" charset="0"/>
-              </a:rPr>
-              <a:t>An </a:t>
-            </a:r>
-            <a:r>
-              <a:rPr lang="en-US" altLang="en-US" b="1" dirty="0">
-                <a:latin typeface="Arial" panose="020B0604020202020204" pitchFamily="34" charset="0"/>
-              </a:rPr>
-              <a:t>Admin Dashboard</a:t>
-            </a:r>
-            <a:r>
-              <a:rPr lang="en-US" altLang="en-US" dirty="0">
-                <a:latin typeface="Arial" panose="020B0604020202020204" pitchFamily="34" charset="0"/>
-              </a:rPr>
-              <a:t> can be developed for shop owners to easily add, remove, or update products without touching code.</a:t>
-            </a:r>
-          </a:p>
-          <a:p>
-            <a:pPr marL="285750" lvl="0" indent="-285750" eaLnBrk="0" fontAlgn="base" hangingPunct="0">
-              <a:spcBef>
-                <a:spcPct val="0"/>
-              </a:spcBef>
-              <a:spcAft>
-                <a:spcPct val="0"/>
-              </a:spcAft>
-              <a:buFont typeface="Arial" panose="020B0604020202020204" pitchFamily="34" charset="0"/>
-              <a:buChar char="•"/>
-            </a:pPr>
-            <a:endParaRPr lang="en-US" altLang="en-US" dirty="0">
-              <a:latin typeface="Arial" panose="020B0604020202020204" pitchFamily="34" charset="0"/>
-            </a:endParaRPr>
-          </a:p>
-          <a:p>
-            <a:pPr marL="285750" lvl="0" indent="-285750" eaLnBrk="0" fontAlgn="base" hangingPunct="0">
-              <a:spcBef>
-                <a:spcPct val="0"/>
-              </a:spcBef>
-              <a:spcAft>
-                <a:spcPct val="0"/>
-              </a:spcAft>
-              <a:buFont typeface="Arial" panose="020B0604020202020204" pitchFamily="34" charset="0"/>
-              <a:buChar char="•"/>
-            </a:pPr>
-            <a:r>
-              <a:rPr lang="en-US" altLang="en-US" dirty="0">
-                <a:latin typeface="Arial" panose="020B0604020202020204" pitchFamily="34" charset="0"/>
-              </a:rPr>
-              <a:t>Use </a:t>
-            </a:r>
-            <a:r>
-              <a:rPr lang="en-US" altLang="en-US" b="1" dirty="0">
-                <a:latin typeface="Arial" panose="020B0604020202020204" pitchFamily="34" charset="0"/>
-              </a:rPr>
-              <a:t>AI-based product recommendations</a:t>
-            </a:r>
-            <a:r>
-              <a:rPr lang="en-US" altLang="en-US" dirty="0">
-                <a:latin typeface="Arial" panose="020B0604020202020204" pitchFamily="34" charset="0"/>
-              </a:rPr>
-              <a:t> to show related or popular items to customers.</a:t>
-            </a:r>
-          </a:p>
-          <a:p>
-            <a:pPr marL="285750" lvl="0" indent="-285750" eaLnBrk="0" fontAlgn="base" hangingPunct="0">
-              <a:spcBef>
-                <a:spcPct val="0"/>
-              </a:spcBef>
-              <a:spcAft>
-                <a:spcPct val="0"/>
-              </a:spcAft>
-              <a:buFont typeface="Arial" panose="020B0604020202020204" pitchFamily="34" charset="0"/>
-              <a:buChar char="•"/>
-            </a:pPr>
-            <a:endParaRPr lang="en-US" altLang="en-US" dirty="0">
-              <a:latin typeface="Arial" panose="020B0604020202020204" pitchFamily="34" charset="0"/>
-            </a:endParaRPr>
-          </a:p>
-          <a:p>
-            <a:pPr marL="285750" lvl="0" indent="-285750" eaLnBrk="0" fontAlgn="base" hangingPunct="0">
-              <a:spcBef>
-                <a:spcPct val="0"/>
-              </a:spcBef>
-              <a:spcAft>
-                <a:spcPct val="0"/>
-              </a:spcAft>
-              <a:buFont typeface="Arial" panose="020B0604020202020204" pitchFamily="34" charset="0"/>
-              <a:buChar char="•"/>
-            </a:pPr>
-            <a:r>
-              <a:rPr lang="en-US" altLang="en-US" dirty="0">
-                <a:latin typeface="Arial" panose="020B0604020202020204" pitchFamily="34" charset="0"/>
-              </a:rPr>
-              <a:t>Add </a:t>
-            </a:r>
-            <a:r>
-              <a:rPr lang="en-US" altLang="en-US" b="1" dirty="0">
-                <a:latin typeface="Arial" panose="020B0604020202020204" pitchFamily="34" charset="0"/>
-              </a:rPr>
-              <a:t>user login and signup</a:t>
-            </a:r>
-            <a:r>
-              <a:rPr lang="en-US" altLang="en-US" dirty="0">
-                <a:latin typeface="Arial" panose="020B0604020202020204" pitchFamily="34" charset="0"/>
-              </a:rPr>
-              <a:t> so customers can save their cart and order history.</a:t>
-            </a:r>
-          </a:p>
-          <a:p>
-            <a:pPr marL="285750" lvl="0" indent="-285750" eaLnBrk="0" fontAlgn="base" hangingPunct="0">
-              <a:spcBef>
-                <a:spcPct val="0"/>
-              </a:spcBef>
-              <a:spcAft>
-                <a:spcPct val="0"/>
-              </a:spcAft>
-              <a:buFont typeface="Arial" panose="020B0604020202020204" pitchFamily="34" charset="0"/>
-              <a:buChar char="•"/>
-            </a:pPr>
-            <a:endParaRPr lang="en-US" altLang="en-US" dirty="0">
-              <a:latin typeface="Arial" panose="020B0604020202020204" pitchFamily="34" charset="0"/>
-            </a:endParaRPr>
-          </a:p>
-          <a:p>
-            <a:pPr marL="285750" lvl="0" indent="-285750" eaLnBrk="0" fontAlgn="base" hangingPunct="0">
-              <a:spcBef>
-                <a:spcPct val="0"/>
-              </a:spcBef>
-              <a:spcAft>
-                <a:spcPct val="0"/>
-              </a:spcAft>
-              <a:buFont typeface="Arial" panose="020B0604020202020204" pitchFamily="34" charset="0"/>
-              <a:buChar char="•"/>
-            </a:pPr>
-            <a:r>
-              <a:rPr lang="en-US" altLang="en-US" dirty="0">
-                <a:latin typeface="Arial" panose="020B0604020202020204" pitchFamily="34" charset="0"/>
-              </a:rPr>
-              <a:t>Provide </a:t>
-            </a:r>
-            <a:r>
-              <a:rPr lang="en-US" altLang="en-US" b="1" dirty="0">
-                <a:latin typeface="Arial" panose="020B0604020202020204" pitchFamily="34" charset="0"/>
-              </a:rPr>
-              <a:t>email/SMS notifications</a:t>
-            </a:r>
-            <a:r>
-              <a:rPr lang="en-US" altLang="en-US" dirty="0">
-                <a:latin typeface="Arial" panose="020B0604020202020204" pitchFamily="34" charset="0"/>
-              </a:rPr>
-              <a:t> after checkout for better customer engagement.</a:t>
-            </a:r>
-          </a:p>
-          <a:p>
-            <a:pPr marL="285750" lvl="0" indent="-285750" eaLnBrk="0" fontAlgn="base" hangingPunct="0">
-              <a:spcBef>
-                <a:spcPct val="0"/>
-              </a:spcBef>
-              <a:spcAft>
-                <a:spcPct val="0"/>
-              </a:spcAft>
-              <a:buFont typeface="Arial" panose="020B0604020202020204" pitchFamily="34" charset="0"/>
-              <a:buChar char="•"/>
-            </a:pPr>
-            <a:endParaRPr lang="en-US" altLang="en-US" dirty="0">
-              <a:latin typeface="Arial" panose="020B0604020202020204" pitchFamily="34" charset="0"/>
-            </a:endParaRPr>
-          </a:p>
-          <a:p>
-            <a:pPr marL="285750" lvl="0" indent="-285750" eaLnBrk="0" fontAlgn="base" hangingPunct="0">
-              <a:spcBef>
-                <a:spcPct val="0"/>
-              </a:spcBef>
-              <a:spcAft>
-                <a:spcPct val="0"/>
-              </a:spcAft>
-              <a:buFont typeface="Arial" panose="020B0604020202020204" pitchFamily="34" charset="0"/>
-              <a:buChar char="•"/>
-            </a:pPr>
-            <a:r>
-              <a:rPr lang="en-US" altLang="en-US" dirty="0">
-                <a:latin typeface="Arial" panose="020B0604020202020204" pitchFamily="34" charset="0"/>
-              </a:rPr>
-              <a:t>Expand to a full </a:t>
-            </a:r>
-            <a:r>
-              <a:rPr lang="en-US" altLang="en-US" b="1" dirty="0">
-                <a:latin typeface="Arial" panose="020B0604020202020204" pitchFamily="34" charset="0"/>
-              </a:rPr>
-              <a:t>multi-vendor marketplace</a:t>
-            </a:r>
-            <a:r>
-              <a:rPr lang="en-US" altLang="en-US" dirty="0">
-                <a:latin typeface="Arial" panose="020B0604020202020204" pitchFamily="34" charset="0"/>
-              </a:rPr>
-              <a:t> where many small shops can upload their products.</a:t>
-            </a:r>
-          </a:p>
-        </p:txBody>
-      </p:sp>
+      </p:pic>
     </p:spTree>
     <p:extLst>
       <p:ext uri="{BB962C8B-B14F-4D97-AF65-F5344CB8AC3E}">
-        <p14:creationId xmlns:p14="http://schemas.microsoft.com/office/powerpoint/2010/main" val="614882681"/>
+        <p14:creationId xmlns:p14="http://schemas.microsoft.com/office/powerpoint/2010/main" val="779255904"/>
       </p:ext>
     </p:extLst>
   </p:cSld>
@@ -4987,6 +4591,140 @@
         <p:spPr/>
         <p:txBody>
           <a:bodyPr>
+            <a:normAutofit/>
+          </a:bodyPr>
+          <a:lstStyle/>
+          <a:p>
+            <a:r>
+              <a:rPr lang="en-US" dirty="0"/>
+              <a:t>GITHUB AND DEPLOYMNET LINK</a:t>
+            </a:r>
+          </a:p>
+        </p:txBody>
+      </p:sp>
+      <p:sp>
+        <p:nvSpPr>
+          <p:cNvPr id="2" name="Content Placeholder 1">
+            <a:extLst>
+              <a:ext uri="{FF2B5EF4-FFF2-40B4-BE49-F238E27FC236}">
+                <a16:creationId xmlns:a16="http://schemas.microsoft.com/office/drawing/2014/main" id="{D3304455-6802-6CA9-8475-2F6DD1B8D409}"/>
+              </a:ext>
+            </a:extLst>
+          </p:cNvPr>
+          <p:cNvSpPr>
+            <a:spLocks noGrp="1"/>
+          </p:cNvSpPr>
+          <p:nvPr>
+            <p:ph idx="1"/>
+          </p:nvPr>
+        </p:nvSpPr>
+        <p:spPr/>
+        <p:txBody>
+          <a:bodyPr>
+            <a:normAutofit/>
+          </a:bodyPr>
+          <a:lstStyle/>
+          <a:p>
+            <a:pPr marL="305435" indent="-305435"/>
+            <a:r>
+              <a:rPr lang="en-US" sz="2800" b="1" dirty="0"/>
+              <a:t>Attach your </a:t>
+            </a:r>
+            <a:r>
+              <a:rPr lang="en-US" sz="2800" b="1" dirty="0" err="1"/>
+              <a:t>Github</a:t>
+            </a:r>
+            <a:r>
+              <a:rPr lang="en-US" sz="2800" b="1" dirty="0"/>
+              <a:t> Link : </a:t>
+            </a:r>
+            <a:r>
+              <a:rPr lang="en-US" sz="2800" dirty="0">
+                <a:hlinkClick r:id="rId2"/>
+              </a:rPr>
+              <a:t>https://github.com/hd-bharath28/E-Commerce-Product-Showcase.git</a:t>
+            </a:r>
+            <a:r>
+              <a:rPr lang="en-US" sz="2800" dirty="0"/>
+              <a:t> - </a:t>
+            </a:r>
+            <a:r>
+              <a:rPr lang="en-US" sz="2800" b="1" dirty="0"/>
+              <a:t>coding files</a:t>
+            </a:r>
+          </a:p>
+          <a:p>
+            <a:pPr marL="305435" indent="-305435"/>
+            <a:r>
+              <a:rPr lang="en-US" sz="2800" b="1" dirty="0">
+                <a:ea typeface="+mn-lt"/>
+                <a:cs typeface="+mn-lt"/>
+              </a:rPr>
+              <a:t>Deployment link: </a:t>
+            </a:r>
+            <a:r>
+              <a:rPr lang="en-US" sz="2800" dirty="0">
+                <a:hlinkClick r:id="rId3"/>
+              </a:rPr>
+              <a:t>https://hd-bharath28.github.io/E-Commerce-Product-Showcase/</a:t>
+            </a:r>
+            <a:r>
+              <a:rPr lang="en-US" sz="2800" dirty="0"/>
+              <a:t> </a:t>
+            </a:r>
+            <a:endParaRPr lang="en-US" sz="2800" b="1" dirty="0"/>
+          </a:p>
+        </p:txBody>
+      </p:sp>
+    </p:spTree>
+    <p:extLst>
+      <p:ext uri="{BB962C8B-B14F-4D97-AF65-F5344CB8AC3E}">
+        <p14:creationId xmlns:p14="http://schemas.microsoft.com/office/powerpoint/2010/main" val="1483293388"/>
+      </p:ext>
+    </p:extLst>
+  </p:cSld>
+  <p:clrMapOvr>
+    <a:masterClrMapping/>
+  </p:clrMapOvr>
+</p:sld>
+</file>
+
+<file path=ppt/slides/slide12.xml><?xml version="1.0" encoding="utf-8"?>
+<p:sld xmlns:a="http://schemas.openxmlformats.org/drawingml/2006/main" xmlns:r="http://schemas.openxmlformats.org/officeDocument/2006/relationships" xmlns:p="http://schemas.openxmlformats.org/presentationml/2006/main">
+  <p:cSld>
+    <p:spTree>
+      <p:nvGrpSpPr>
+        <p:cNvPr id="1" name=""/>
+        <p:cNvGrpSpPr/>
+        <p:nvPr/>
+      </p:nvGrpSpPr>
+      <p:grpSpPr>
+        <a:xfrm>
+          <a:off x="0" y="0"/>
+          <a:ext cx="0" cy="0"/>
+          <a:chOff x="0" y="0"/>
+          <a:chExt cx="0" cy="0"/>
+        </a:xfrm>
+      </p:grpSpPr>
+      <p:sp>
+        <p:nvSpPr>
+          <p:cNvPr id="5" name="Title 4">
+            <a:extLst>
+              <a:ext uri="{FF2B5EF4-FFF2-40B4-BE49-F238E27FC236}">
+                <a16:creationId xmlns:a16="http://schemas.microsoft.com/office/drawing/2014/main" id="{8FBA75B4-2DD5-42EB-9397-F36BFB8BA723}"/>
+              </a:ext>
+            </a:extLst>
+          </p:cNvPr>
+          <p:cNvSpPr>
+            <a:spLocks noGrp="1"/>
+          </p:cNvSpPr>
+          <p:nvPr>
+            <p:ph type="title"/>
+          </p:nvPr>
+        </p:nvSpPr>
+        <p:spPr/>
+        <p:txBody>
+          <a:bodyPr>
             <a:normAutofit fontScale="90000"/>
           </a:bodyPr>
           <a:lstStyle/>
@@ -5000,6 +4738,785 @@
                 <a:ea typeface="+mj-lt"/>
                 <a:cs typeface="Arial"/>
               </a:rPr>
+              <a:t>Conclusion</a:t>
+            </a:r>
+            <a:endParaRPr lang="en-US"/>
+          </a:p>
+        </p:txBody>
+      </p:sp>
+      <p:sp>
+        <p:nvSpPr>
+          <p:cNvPr id="3" name="TextBox 2">
+            <a:extLst>
+              <a:ext uri="{FF2B5EF4-FFF2-40B4-BE49-F238E27FC236}">
+                <a16:creationId xmlns:a16="http://schemas.microsoft.com/office/drawing/2014/main" id="{B193C53E-B1F3-07DC-4078-7EF0795E5160}"/>
+              </a:ext>
+            </a:extLst>
+          </p:cNvPr>
+          <p:cNvSpPr txBox="1"/>
+          <p:nvPr/>
+        </p:nvSpPr>
+        <p:spPr>
+          <a:xfrm>
+            <a:off x="581192" y="1443841"/>
+            <a:ext cx="11029616" cy="3970318"/>
+          </a:xfrm>
+          <a:prstGeom prst="rect">
+            <a:avLst/>
+          </a:prstGeom>
+          <a:noFill/>
+        </p:spPr>
+        <p:txBody>
+          <a:bodyPr wrap="square" rtlCol="0">
+            <a:spAutoFit/>
+          </a:bodyPr>
+          <a:lstStyle/>
+          <a:p>
+            <a:pPr marL="285750" indent="-285750">
+              <a:buFont typeface="Arial" panose="020B0604020202020204" pitchFamily="34" charset="0"/>
+              <a:buChar char="•"/>
+            </a:pPr>
+            <a:r>
+              <a:rPr lang="en-US" dirty="0"/>
+              <a:t>This project gives small businesses a </a:t>
+            </a:r>
+            <a:r>
+              <a:rPr lang="en-US" b="1" dirty="0"/>
+              <a:t>simple and cost-free way</a:t>
+            </a:r>
+            <a:r>
+              <a:rPr lang="en-US" dirty="0"/>
+              <a:t> to show their products online.</a:t>
+            </a:r>
+          </a:p>
+          <a:p>
+            <a:pPr marL="285750" indent="-285750">
+              <a:buFont typeface="Arial" panose="020B0604020202020204" pitchFamily="34" charset="0"/>
+              <a:buChar char="•"/>
+            </a:pPr>
+            <a:endParaRPr lang="en-US" dirty="0"/>
+          </a:p>
+          <a:p>
+            <a:pPr marL="285750" indent="-285750">
+              <a:buFont typeface="Arial" panose="020B0604020202020204" pitchFamily="34" charset="0"/>
+              <a:buChar char="•"/>
+            </a:pPr>
+            <a:r>
+              <a:rPr lang="en-US" dirty="0"/>
+              <a:t>Unlike big platforms, our solution is </a:t>
+            </a:r>
+            <a:r>
+              <a:rPr lang="en-US" b="1" dirty="0"/>
+              <a:t>lightweight, easy to use, and doesn’t need a backend</a:t>
+            </a:r>
+            <a:r>
+              <a:rPr lang="en-US" dirty="0"/>
+              <a:t>.</a:t>
+            </a:r>
+          </a:p>
+          <a:p>
+            <a:pPr marL="285750" indent="-285750">
+              <a:buFont typeface="Arial" panose="020B0604020202020204" pitchFamily="34" charset="0"/>
+              <a:buChar char="•"/>
+            </a:pPr>
+            <a:endParaRPr lang="en-US" dirty="0"/>
+          </a:p>
+          <a:p>
+            <a:pPr marL="285750" indent="-285750">
+              <a:buFont typeface="Arial" panose="020B0604020202020204" pitchFamily="34" charset="0"/>
+              <a:buChar char="•"/>
+            </a:pPr>
+            <a:r>
+              <a:rPr lang="en-US" dirty="0"/>
+              <a:t>Using </a:t>
+            </a:r>
+            <a:r>
+              <a:rPr lang="en-US" b="1" dirty="0"/>
+              <a:t>HTML, CSS, and JavaScript</a:t>
+            </a:r>
+            <a:r>
+              <a:rPr lang="en-US" dirty="0"/>
+              <a:t>, I created a responsive product grid and a working cart system.</a:t>
+            </a:r>
+          </a:p>
+          <a:p>
+            <a:pPr marL="285750" indent="-285750">
+              <a:buFont typeface="Arial" panose="020B0604020202020204" pitchFamily="34" charset="0"/>
+              <a:buChar char="•"/>
+            </a:pPr>
+            <a:endParaRPr lang="en-US" dirty="0"/>
+          </a:p>
+          <a:p>
+            <a:pPr marL="285750" indent="-285750">
+              <a:buFont typeface="Arial" panose="020B0604020202020204" pitchFamily="34" charset="0"/>
+              <a:buChar char="•"/>
+            </a:pPr>
+            <a:r>
+              <a:rPr lang="en-US" dirty="0"/>
+              <a:t>Customers can </a:t>
+            </a:r>
+            <a:r>
+              <a:rPr lang="en-US" b="1" dirty="0"/>
+              <a:t>add, remove, and update products</a:t>
+            </a:r>
+            <a:r>
+              <a:rPr lang="en-US" dirty="0"/>
+              <a:t> in real time, making the experience interactive.</a:t>
+            </a:r>
+          </a:p>
+          <a:p>
+            <a:pPr marL="285750" indent="-285750">
+              <a:buFont typeface="Arial" panose="020B0604020202020204" pitchFamily="34" charset="0"/>
+              <a:buChar char="•"/>
+            </a:pPr>
+            <a:endParaRPr lang="en-US" dirty="0"/>
+          </a:p>
+          <a:p>
+            <a:pPr marL="285750" indent="-285750">
+              <a:buFont typeface="Arial" panose="020B0604020202020204" pitchFamily="34" charset="0"/>
+              <a:buChar char="•"/>
+            </a:pPr>
+            <a:r>
+              <a:rPr lang="en-US" dirty="0"/>
+              <a:t>The cart page calculates the </a:t>
+            </a:r>
+            <a:r>
+              <a:rPr lang="en-US" b="1" dirty="0"/>
+              <a:t>grand total automatically</a:t>
+            </a:r>
+            <a:r>
+              <a:rPr lang="en-US" dirty="0"/>
+              <a:t>, improving usability.</a:t>
+            </a:r>
+          </a:p>
+          <a:p>
+            <a:pPr marL="285750" indent="-285750">
+              <a:buFont typeface="Arial" panose="020B0604020202020204" pitchFamily="34" charset="0"/>
+              <a:buChar char="•"/>
+            </a:pPr>
+            <a:endParaRPr lang="en-US" dirty="0"/>
+          </a:p>
+          <a:p>
+            <a:pPr marL="285750" indent="-285750">
+              <a:buFont typeface="Arial" panose="020B0604020202020204" pitchFamily="34" charset="0"/>
+              <a:buChar char="•"/>
+            </a:pPr>
+            <a:r>
+              <a:rPr lang="en-US" dirty="0"/>
+              <a:t>The website works well on </a:t>
+            </a:r>
+            <a:r>
+              <a:rPr lang="en-US" b="1" dirty="0"/>
+              <a:t>mobile, tablet, and desktop</a:t>
+            </a:r>
+            <a:r>
+              <a:rPr lang="en-US" dirty="0"/>
+              <a:t>, so it is accessible to everyone.</a:t>
+            </a:r>
+          </a:p>
+          <a:p>
+            <a:pPr marL="285750" indent="-285750">
+              <a:buFont typeface="Arial" panose="020B0604020202020204" pitchFamily="34" charset="0"/>
+              <a:buChar char="•"/>
+            </a:pPr>
+            <a:endParaRPr lang="en-US" dirty="0"/>
+          </a:p>
+          <a:p>
+            <a:pPr marL="285750" indent="-285750">
+              <a:buFont typeface="Arial" panose="020B0604020202020204" pitchFamily="34" charset="0"/>
+              <a:buChar char="•"/>
+            </a:pPr>
+            <a:r>
+              <a:rPr lang="en-US" dirty="0"/>
+              <a:t>Finally, hosting on </a:t>
+            </a:r>
+            <a:r>
+              <a:rPr lang="en-US" b="1" dirty="0"/>
+              <a:t>GitHub/Netlify</a:t>
+            </a:r>
+            <a:r>
+              <a:rPr lang="en-US" dirty="0"/>
+              <a:t> makes it free and available anywhere, helping small shops build an online presence without extra cost.</a:t>
+            </a:r>
+          </a:p>
+        </p:txBody>
+      </p:sp>
+    </p:spTree>
+    <p:extLst>
+      <p:ext uri="{BB962C8B-B14F-4D97-AF65-F5344CB8AC3E}">
+        <p14:creationId xmlns:p14="http://schemas.microsoft.com/office/powerpoint/2010/main" val="3183315129"/>
+      </p:ext>
+    </p:extLst>
+  </p:cSld>
+  <p:clrMapOvr>
+    <a:masterClrMapping/>
+  </p:clrMapOvr>
+</p:sld>
+</file>
+
+<file path=ppt/slides/slide13.xml><?xml version="1.0" encoding="utf-8"?>
+<p:sld xmlns:a="http://schemas.openxmlformats.org/drawingml/2006/main" xmlns:r="http://schemas.openxmlformats.org/officeDocument/2006/relationships" xmlns:p="http://schemas.openxmlformats.org/presentationml/2006/main">
+  <p:cSld>
+    <p:spTree>
+      <p:nvGrpSpPr>
+        <p:cNvPr id="1" name=""/>
+        <p:cNvGrpSpPr/>
+        <p:nvPr/>
+      </p:nvGrpSpPr>
+      <p:grpSpPr>
+        <a:xfrm>
+          <a:off x="0" y="0"/>
+          <a:ext cx="0" cy="0"/>
+          <a:chOff x="0" y="0"/>
+          <a:chExt cx="0" cy="0"/>
+        </a:xfrm>
+      </p:grpSpPr>
+      <p:sp>
+        <p:nvSpPr>
+          <p:cNvPr id="5" name="Title 4">
+            <a:extLst>
+              <a:ext uri="{FF2B5EF4-FFF2-40B4-BE49-F238E27FC236}">
+                <a16:creationId xmlns:a16="http://schemas.microsoft.com/office/drawing/2014/main" id="{3F968F13-9AC4-7120-7ACD-9F752C767D5D}"/>
+              </a:ext>
+            </a:extLst>
+          </p:cNvPr>
+          <p:cNvSpPr txBox="1">
+            <a:spLocks/>
+          </p:cNvSpPr>
+          <p:nvPr/>
+        </p:nvSpPr>
+        <p:spPr>
+          <a:xfrm>
+            <a:off x="535670" y="844659"/>
+            <a:ext cx="11029616" cy="530296"/>
+          </a:xfrm>
+          <a:prstGeom prst="rect">
+            <a:avLst/>
+          </a:prstGeom>
+        </p:spPr>
+        <p:txBody>
+          <a:bodyPr vert="horz" lIns="91440" tIns="45720" rIns="91440" bIns="45720" rtlCol="0" anchor="b">
+            <a:normAutofit fontScale="75000" lnSpcReduction="20000"/>
+          </a:bodyPr>
+          <a:lstStyle>
+            <a:lvl1pPr algn="l" defTabSz="457200" rtl="0" eaLnBrk="1" latinLnBrk="0" hangingPunct="1">
+              <a:lnSpc>
+                <a:spcPct val="100000"/>
+              </a:lnSpc>
+              <a:spcBef>
+                <a:spcPct val="0"/>
+              </a:spcBef>
+              <a:buNone/>
+              <a:defRPr sz="2800" b="0" kern="1200" cap="all">
+                <a:solidFill>
+                  <a:schemeClr val="tx1">
+                    <a:lumMod val="75000"/>
+                    <a:lumOff val="25000"/>
+                  </a:schemeClr>
+                </a:solidFill>
+                <a:latin typeface="+mj-lt"/>
+                <a:ea typeface="+mj-ea"/>
+                <a:cs typeface="+mj-cs"/>
+              </a:defRPr>
+            </a:lvl1pPr>
+            <a:lvl2pPr eaLnBrk="1" hangingPunct="1">
+              <a:defRPr>
+                <a:solidFill>
+                  <a:schemeClr val="tx2"/>
+                </a:solidFill>
+              </a:defRPr>
+            </a:lvl2pPr>
+            <a:lvl3pPr eaLnBrk="1" hangingPunct="1">
+              <a:defRPr>
+                <a:solidFill>
+                  <a:schemeClr val="tx2"/>
+                </a:solidFill>
+              </a:defRPr>
+            </a:lvl3pPr>
+            <a:lvl4pPr eaLnBrk="1" hangingPunct="1">
+              <a:defRPr>
+                <a:solidFill>
+                  <a:schemeClr val="tx2"/>
+                </a:solidFill>
+              </a:defRPr>
+            </a:lvl4pPr>
+            <a:lvl5pPr eaLnBrk="1" hangingPunct="1">
+              <a:defRPr>
+                <a:solidFill>
+                  <a:schemeClr val="tx2"/>
+                </a:solidFill>
+              </a:defRPr>
+            </a:lvl5pPr>
+            <a:lvl6pPr eaLnBrk="1" hangingPunct="1">
+              <a:defRPr>
+                <a:solidFill>
+                  <a:schemeClr val="tx2"/>
+                </a:solidFill>
+              </a:defRPr>
+            </a:lvl6pPr>
+            <a:lvl7pPr eaLnBrk="1" hangingPunct="1">
+              <a:defRPr>
+                <a:solidFill>
+                  <a:schemeClr val="tx2"/>
+                </a:solidFill>
+              </a:defRPr>
+            </a:lvl7pPr>
+            <a:lvl8pPr eaLnBrk="1" hangingPunct="1">
+              <a:defRPr>
+                <a:solidFill>
+                  <a:schemeClr val="tx2"/>
+                </a:solidFill>
+              </a:defRPr>
+            </a:lvl8pPr>
+            <a:lvl9pPr eaLnBrk="1" hangingPunct="1">
+              <a:defRPr>
+                <a:solidFill>
+                  <a:schemeClr val="tx2"/>
+                </a:solidFill>
+              </a:defRPr>
+            </a:lvl9pPr>
+          </a:lstStyle>
+          <a:p>
+            <a:r>
+              <a:rPr lang="en-US" sz="4400" b="1" dirty="0">
+                <a:solidFill>
+                  <a:schemeClr val="accent1"/>
+                </a:solidFill>
+                <a:latin typeface="Arial"/>
+                <a:cs typeface="Arial"/>
+              </a:rPr>
+              <a:t>Future scope(Optional)</a:t>
+            </a:r>
+          </a:p>
+        </p:txBody>
+      </p:sp>
+      <p:sp>
+        <p:nvSpPr>
+          <p:cNvPr id="4" name="TextBox 3">
+            <a:extLst>
+              <a:ext uri="{FF2B5EF4-FFF2-40B4-BE49-F238E27FC236}">
+                <a16:creationId xmlns:a16="http://schemas.microsoft.com/office/drawing/2014/main" id="{D491E4A0-EDDB-8C7B-5AAF-1E15CD3348A2}"/>
+              </a:ext>
+            </a:extLst>
+          </p:cNvPr>
+          <p:cNvSpPr txBox="1"/>
+          <p:nvPr/>
+        </p:nvSpPr>
+        <p:spPr>
+          <a:xfrm>
+            <a:off x="535670" y="1489026"/>
+            <a:ext cx="11029616" cy="4524315"/>
+          </a:xfrm>
+          <a:prstGeom prst="rect">
+            <a:avLst/>
+          </a:prstGeom>
+          <a:noFill/>
+        </p:spPr>
+        <p:txBody>
+          <a:bodyPr wrap="square" rtlCol="0">
+            <a:spAutoFit/>
+          </a:bodyPr>
+          <a:lstStyle/>
+          <a:p>
+            <a:pPr marL="285750" lvl="0" indent="-285750" eaLnBrk="0" fontAlgn="base" hangingPunct="0">
+              <a:spcBef>
+                <a:spcPct val="0"/>
+              </a:spcBef>
+              <a:spcAft>
+                <a:spcPct val="0"/>
+              </a:spcAft>
+              <a:buFont typeface="Arial" panose="020B0604020202020204" pitchFamily="34" charset="0"/>
+              <a:buChar char="•"/>
+            </a:pPr>
+            <a:r>
+              <a:rPr lang="en-US" altLang="en-US" dirty="0">
+                <a:latin typeface="Arial" panose="020B0604020202020204" pitchFamily="34" charset="0"/>
+              </a:rPr>
+              <a:t>Right now, my project is </a:t>
+            </a:r>
+            <a:r>
+              <a:rPr lang="en-US" altLang="en-US" b="1" dirty="0">
+                <a:latin typeface="Arial" panose="020B0604020202020204" pitchFamily="34" charset="0"/>
+              </a:rPr>
+              <a:t>frontend only</a:t>
+            </a:r>
+            <a:r>
+              <a:rPr lang="en-US" altLang="en-US" dirty="0">
+                <a:latin typeface="Arial" panose="020B0604020202020204" pitchFamily="34" charset="0"/>
+              </a:rPr>
+              <a:t> (HTML, CSS, JS, </a:t>
+            </a:r>
+            <a:r>
+              <a:rPr lang="en-US" altLang="en-US" dirty="0" err="1">
+                <a:latin typeface="Arial" panose="020B0604020202020204" pitchFamily="34" charset="0"/>
+              </a:rPr>
+              <a:t>localStorage</a:t>
+            </a:r>
+            <a:r>
+              <a:rPr lang="en-US" altLang="en-US" dirty="0">
+                <a:latin typeface="Arial" panose="020B0604020202020204" pitchFamily="34" charset="0"/>
+              </a:rPr>
+              <a:t>). In the future, I can connect it to a </a:t>
+            </a:r>
+            <a:r>
+              <a:rPr lang="en-US" altLang="en-US" b="1" dirty="0">
+                <a:latin typeface="Arial" panose="020B0604020202020204" pitchFamily="34" charset="0"/>
+              </a:rPr>
+              <a:t>backend (Node.js, Express, MongoDB)</a:t>
+            </a:r>
+            <a:r>
+              <a:rPr lang="en-US" altLang="en-US" dirty="0">
+                <a:latin typeface="Arial" panose="020B0604020202020204" pitchFamily="34" charset="0"/>
+              </a:rPr>
+              <a:t> to manage products and customer orders.</a:t>
+            </a:r>
+          </a:p>
+          <a:p>
+            <a:pPr marL="285750" lvl="0" indent="-285750" eaLnBrk="0" fontAlgn="base" hangingPunct="0">
+              <a:spcBef>
+                <a:spcPct val="0"/>
+              </a:spcBef>
+              <a:spcAft>
+                <a:spcPct val="0"/>
+              </a:spcAft>
+              <a:buFont typeface="Arial" panose="020B0604020202020204" pitchFamily="34" charset="0"/>
+              <a:buChar char="•"/>
+            </a:pPr>
+            <a:endParaRPr lang="en-US" altLang="en-US" dirty="0">
+              <a:latin typeface="Arial" panose="020B0604020202020204" pitchFamily="34" charset="0"/>
+            </a:endParaRPr>
+          </a:p>
+          <a:p>
+            <a:pPr marL="285750" lvl="0" indent="-285750" eaLnBrk="0" fontAlgn="base" hangingPunct="0">
+              <a:spcBef>
+                <a:spcPct val="0"/>
+              </a:spcBef>
+              <a:spcAft>
+                <a:spcPct val="0"/>
+              </a:spcAft>
+              <a:buFont typeface="Arial" panose="020B0604020202020204" pitchFamily="34" charset="0"/>
+              <a:buChar char="•"/>
+            </a:pPr>
+            <a:r>
+              <a:rPr lang="en-US" altLang="en-US" dirty="0">
+                <a:latin typeface="Arial" panose="020B0604020202020204" pitchFamily="34" charset="0"/>
+              </a:rPr>
+              <a:t>A </a:t>
+            </a:r>
+            <a:r>
+              <a:rPr lang="en-US" altLang="en-US" b="1" dirty="0">
+                <a:latin typeface="Arial" panose="020B0604020202020204" pitchFamily="34" charset="0"/>
+              </a:rPr>
+              <a:t>secure payment gateway (</a:t>
+            </a:r>
+            <a:r>
+              <a:rPr lang="en-US" altLang="en-US" b="1" dirty="0" err="1">
+                <a:latin typeface="Arial" panose="020B0604020202020204" pitchFamily="34" charset="0"/>
+              </a:rPr>
+              <a:t>Razorpay</a:t>
+            </a:r>
+            <a:r>
+              <a:rPr lang="en-US" altLang="en-US" b="1" dirty="0">
+                <a:latin typeface="Arial" panose="020B0604020202020204" pitchFamily="34" charset="0"/>
+              </a:rPr>
+              <a:t>, PayPal, Stripe)</a:t>
+            </a:r>
+            <a:r>
+              <a:rPr lang="en-US" altLang="en-US" dirty="0">
+                <a:latin typeface="Arial" panose="020B0604020202020204" pitchFamily="34" charset="0"/>
+              </a:rPr>
+              <a:t> can be added so customers can pay online safely.</a:t>
+            </a:r>
+          </a:p>
+          <a:p>
+            <a:pPr marL="285750" lvl="0" indent="-285750" eaLnBrk="0" fontAlgn="base" hangingPunct="0">
+              <a:spcBef>
+                <a:spcPct val="0"/>
+              </a:spcBef>
+              <a:spcAft>
+                <a:spcPct val="0"/>
+              </a:spcAft>
+              <a:buFont typeface="Arial" panose="020B0604020202020204" pitchFamily="34" charset="0"/>
+              <a:buChar char="•"/>
+            </a:pPr>
+            <a:endParaRPr lang="en-US" altLang="en-US" dirty="0">
+              <a:latin typeface="Arial" panose="020B0604020202020204" pitchFamily="34" charset="0"/>
+            </a:endParaRPr>
+          </a:p>
+          <a:p>
+            <a:pPr marL="285750" lvl="0" indent="-285750" eaLnBrk="0" fontAlgn="base" hangingPunct="0">
+              <a:spcBef>
+                <a:spcPct val="0"/>
+              </a:spcBef>
+              <a:spcAft>
+                <a:spcPct val="0"/>
+              </a:spcAft>
+              <a:buFont typeface="Arial" panose="020B0604020202020204" pitchFamily="34" charset="0"/>
+              <a:buChar char="•"/>
+            </a:pPr>
+            <a:r>
+              <a:rPr lang="en-US" altLang="en-US" dirty="0">
+                <a:latin typeface="Arial" panose="020B0604020202020204" pitchFamily="34" charset="0"/>
+              </a:rPr>
+              <a:t>An </a:t>
+            </a:r>
+            <a:r>
+              <a:rPr lang="en-US" altLang="en-US" b="1" dirty="0">
+                <a:latin typeface="Arial" panose="020B0604020202020204" pitchFamily="34" charset="0"/>
+              </a:rPr>
+              <a:t>Admin Dashboard</a:t>
+            </a:r>
+            <a:r>
+              <a:rPr lang="en-US" altLang="en-US" dirty="0">
+                <a:latin typeface="Arial" panose="020B0604020202020204" pitchFamily="34" charset="0"/>
+              </a:rPr>
+              <a:t> can be developed for shop owners to easily add, remove, or update products without touching code.</a:t>
+            </a:r>
+          </a:p>
+          <a:p>
+            <a:pPr marL="285750" lvl="0" indent="-285750" eaLnBrk="0" fontAlgn="base" hangingPunct="0">
+              <a:spcBef>
+                <a:spcPct val="0"/>
+              </a:spcBef>
+              <a:spcAft>
+                <a:spcPct val="0"/>
+              </a:spcAft>
+              <a:buFont typeface="Arial" panose="020B0604020202020204" pitchFamily="34" charset="0"/>
+              <a:buChar char="•"/>
+            </a:pPr>
+            <a:endParaRPr lang="en-US" altLang="en-US" dirty="0">
+              <a:latin typeface="Arial" panose="020B0604020202020204" pitchFamily="34" charset="0"/>
+            </a:endParaRPr>
+          </a:p>
+          <a:p>
+            <a:pPr marL="285750" lvl="0" indent="-285750" eaLnBrk="0" fontAlgn="base" hangingPunct="0">
+              <a:spcBef>
+                <a:spcPct val="0"/>
+              </a:spcBef>
+              <a:spcAft>
+                <a:spcPct val="0"/>
+              </a:spcAft>
+              <a:buFont typeface="Arial" panose="020B0604020202020204" pitchFamily="34" charset="0"/>
+              <a:buChar char="•"/>
+            </a:pPr>
+            <a:r>
+              <a:rPr lang="en-US" altLang="en-US" dirty="0">
+                <a:latin typeface="Arial" panose="020B0604020202020204" pitchFamily="34" charset="0"/>
+              </a:rPr>
+              <a:t>Use </a:t>
+            </a:r>
+            <a:r>
+              <a:rPr lang="en-US" altLang="en-US" b="1" dirty="0">
+                <a:latin typeface="Arial" panose="020B0604020202020204" pitchFamily="34" charset="0"/>
+              </a:rPr>
+              <a:t>AI-based product recommendations</a:t>
+            </a:r>
+            <a:r>
+              <a:rPr lang="en-US" altLang="en-US" dirty="0">
+                <a:latin typeface="Arial" panose="020B0604020202020204" pitchFamily="34" charset="0"/>
+              </a:rPr>
+              <a:t> to show related or popular items to customers.</a:t>
+            </a:r>
+          </a:p>
+          <a:p>
+            <a:pPr marL="285750" lvl="0" indent="-285750" eaLnBrk="0" fontAlgn="base" hangingPunct="0">
+              <a:spcBef>
+                <a:spcPct val="0"/>
+              </a:spcBef>
+              <a:spcAft>
+                <a:spcPct val="0"/>
+              </a:spcAft>
+              <a:buFont typeface="Arial" panose="020B0604020202020204" pitchFamily="34" charset="0"/>
+              <a:buChar char="•"/>
+            </a:pPr>
+            <a:endParaRPr lang="en-US" altLang="en-US" dirty="0">
+              <a:latin typeface="Arial" panose="020B0604020202020204" pitchFamily="34" charset="0"/>
+            </a:endParaRPr>
+          </a:p>
+          <a:p>
+            <a:pPr marL="285750" lvl="0" indent="-285750" eaLnBrk="0" fontAlgn="base" hangingPunct="0">
+              <a:spcBef>
+                <a:spcPct val="0"/>
+              </a:spcBef>
+              <a:spcAft>
+                <a:spcPct val="0"/>
+              </a:spcAft>
+              <a:buFont typeface="Arial" panose="020B0604020202020204" pitchFamily="34" charset="0"/>
+              <a:buChar char="•"/>
+            </a:pPr>
+            <a:r>
+              <a:rPr lang="en-US" altLang="en-US" dirty="0">
+                <a:latin typeface="Arial" panose="020B0604020202020204" pitchFamily="34" charset="0"/>
+              </a:rPr>
+              <a:t>Add </a:t>
+            </a:r>
+            <a:r>
+              <a:rPr lang="en-US" altLang="en-US" b="1" dirty="0">
+                <a:latin typeface="Arial" panose="020B0604020202020204" pitchFamily="34" charset="0"/>
+              </a:rPr>
+              <a:t>user login and signup</a:t>
+            </a:r>
+            <a:r>
+              <a:rPr lang="en-US" altLang="en-US" dirty="0">
+                <a:latin typeface="Arial" panose="020B0604020202020204" pitchFamily="34" charset="0"/>
+              </a:rPr>
+              <a:t> so customers can save their cart and order history.</a:t>
+            </a:r>
+          </a:p>
+          <a:p>
+            <a:pPr marL="285750" lvl="0" indent="-285750" eaLnBrk="0" fontAlgn="base" hangingPunct="0">
+              <a:spcBef>
+                <a:spcPct val="0"/>
+              </a:spcBef>
+              <a:spcAft>
+                <a:spcPct val="0"/>
+              </a:spcAft>
+              <a:buFont typeface="Arial" panose="020B0604020202020204" pitchFamily="34" charset="0"/>
+              <a:buChar char="•"/>
+            </a:pPr>
+            <a:endParaRPr lang="en-US" altLang="en-US" dirty="0">
+              <a:latin typeface="Arial" panose="020B0604020202020204" pitchFamily="34" charset="0"/>
+            </a:endParaRPr>
+          </a:p>
+          <a:p>
+            <a:pPr marL="285750" lvl="0" indent="-285750" eaLnBrk="0" fontAlgn="base" hangingPunct="0">
+              <a:spcBef>
+                <a:spcPct val="0"/>
+              </a:spcBef>
+              <a:spcAft>
+                <a:spcPct val="0"/>
+              </a:spcAft>
+              <a:buFont typeface="Arial" panose="020B0604020202020204" pitchFamily="34" charset="0"/>
+              <a:buChar char="•"/>
+            </a:pPr>
+            <a:r>
+              <a:rPr lang="en-US" altLang="en-US" dirty="0">
+                <a:latin typeface="Arial" panose="020B0604020202020204" pitchFamily="34" charset="0"/>
+              </a:rPr>
+              <a:t>Provide </a:t>
+            </a:r>
+            <a:r>
+              <a:rPr lang="en-US" altLang="en-US" b="1" dirty="0">
+                <a:latin typeface="Arial" panose="020B0604020202020204" pitchFamily="34" charset="0"/>
+              </a:rPr>
+              <a:t>email/SMS notifications</a:t>
+            </a:r>
+            <a:r>
+              <a:rPr lang="en-US" altLang="en-US" dirty="0">
+                <a:latin typeface="Arial" panose="020B0604020202020204" pitchFamily="34" charset="0"/>
+              </a:rPr>
+              <a:t> after checkout for better customer engagement.</a:t>
+            </a:r>
+          </a:p>
+          <a:p>
+            <a:pPr marL="285750" lvl="0" indent="-285750" eaLnBrk="0" fontAlgn="base" hangingPunct="0">
+              <a:spcBef>
+                <a:spcPct val="0"/>
+              </a:spcBef>
+              <a:spcAft>
+                <a:spcPct val="0"/>
+              </a:spcAft>
+              <a:buFont typeface="Arial" panose="020B0604020202020204" pitchFamily="34" charset="0"/>
+              <a:buChar char="•"/>
+            </a:pPr>
+            <a:endParaRPr lang="en-US" altLang="en-US" dirty="0">
+              <a:latin typeface="Arial" panose="020B0604020202020204" pitchFamily="34" charset="0"/>
+            </a:endParaRPr>
+          </a:p>
+          <a:p>
+            <a:pPr marL="285750" lvl="0" indent="-285750" eaLnBrk="0" fontAlgn="base" hangingPunct="0">
+              <a:spcBef>
+                <a:spcPct val="0"/>
+              </a:spcBef>
+              <a:spcAft>
+                <a:spcPct val="0"/>
+              </a:spcAft>
+              <a:buFont typeface="Arial" panose="020B0604020202020204" pitchFamily="34" charset="0"/>
+              <a:buChar char="•"/>
+            </a:pPr>
+            <a:r>
+              <a:rPr lang="en-US" altLang="en-US" dirty="0">
+                <a:latin typeface="Arial" panose="020B0604020202020204" pitchFamily="34" charset="0"/>
+              </a:rPr>
+              <a:t>Expand to a full </a:t>
+            </a:r>
+            <a:r>
+              <a:rPr lang="en-US" altLang="en-US" b="1" dirty="0">
+                <a:latin typeface="Arial" panose="020B0604020202020204" pitchFamily="34" charset="0"/>
+              </a:rPr>
+              <a:t>multi-vendor marketplace</a:t>
+            </a:r>
+            <a:r>
+              <a:rPr lang="en-US" altLang="en-US" dirty="0">
+                <a:latin typeface="Arial" panose="020B0604020202020204" pitchFamily="34" charset="0"/>
+              </a:rPr>
+              <a:t> where many small shops can upload their products.</a:t>
+            </a:r>
+          </a:p>
+        </p:txBody>
+      </p:sp>
+    </p:spTree>
+    <p:extLst>
+      <p:ext uri="{BB962C8B-B14F-4D97-AF65-F5344CB8AC3E}">
+        <p14:creationId xmlns:p14="http://schemas.microsoft.com/office/powerpoint/2010/main" val="614882681"/>
+      </p:ext>
+    </p:extLst>
+  </p:cSld>
+  <p:clrMapOvr>
+    <a:masterClrMapping/>
+  </p:clrMapOvr>
+</p:sld>
+</file>
+
+<file path=ppt/slides/slide14.xml><?xml version="1.0" encoding="utf-8"?>
+<p:sld xmlns:a="http://schemas.openxmlformats.org/drawingml/2006/main" xmlns:r="http://schemas.openxmlformats.org/officeDocument/2006/relationships" xmlns:p="http://schemas.openxmlformats.org/presentationml/2006/main">
+  <p:cSld>
+    <p:spTree>
+      <p:nvGrpSpPr>
+        <p:cNvPr id="1" name=""/>
+        <p:cNvGrpSpPr/>
+        <p:nvPr/>
+      </p:nvGrpSpPr>
+      <p:grpSpPr>
+        <a:xfrm>
+          <a:off x="0" y="0"/>
+          <a:ext cx="0" cy="0"/>
+          <a:chOff x="0" y="0"/>
+          <a:chExt cx="0" cy="0"/>
+        </a:xfrm>
+      </p:grpSpPr>
+      <p:sp>
+        <p:nvSpPr>
+          <p:cNvPr id="5" name="Title 4">
+            <a:extLst>
+              <a:ext uri="{FF2B5EF4-FFF2-40B4-BE49-F238E27FC236}">
+                <a16:creationId xmlns:a16="http://schemas.microsoft.com/office/drawing/2014/main" id="{8FBA75B4-2DD5-42EB-9397-F36BFB8BA723}"/>
+              </a:ext>
+            </a:extLst>
+          </p:cNvPr>
+          <p:cNvSpPr>
+            <a:spLocks noGrp="1"/>
+          </p:cNvSpPr>
+          <p:nvPr>
+            <p:ph type="title"/>
+          </p:nvPr>
+        </p:nvSpPr>
+        <p:spPr/>
+        <p:txBody>
+          <a:bodyPr>
+            <a:normAutofit fontScale="90000"/>
+          </a:bodyPr>
+          <a:lstStyle/>
+          <a:p>
+            <a:r>
+              <a:rPr lang="en-US" sz="4400" b="1">
+                <a:solidFill>
+                  <a:schemeClr val="accent1"/>
+                </a:solidFill>
+                <a:latin typeface="Arial"/>
+                <a:ea typeface="+mj-lt"/>
+                <a:cs typeface="Arial"/>
+              </a:rPr>
               <a:t>References</a:t>
             </a:r>
             <a:endParaRPr lang="en-US"/>
@@ -5011,7 +5528,7 @@
           <p:cNvPr id="6" name="TextBox 5">
             <a:extLst>
               <a:ext uri="{FF2B5EF4-FFF2-40B4-BE49-F238E27FC236}">
-                <a16:creationId xmlns:a16="http://schemas.microsoft.com/office/drawing/2014/main" id="{89517478-E5C6-3822-C7AA-82253AD99F7F}"/>
+                <a16:creationId xmlns:a16="http://schemas.microsoft.com/office/drawing/2014/main" id="{7EEA009A-36C7-DF05-AC06-C34B6C2EDFBB}"/>
               </a:ext>
             </a:extLst>
           </p:cNvPr>
@@ -5330,7 +5847,7 @@
 </p:sld>
 </file>
 
-<file path=ppt/slides/slide12.xml><?xml version="1.0" encoding="utf-8"?>
+<file path=ppt/slides/slide15.xml><?xml version="1.0" encoding="utf-8"?>
 <p:sld xmlns:a="http://schemas.openxmlformats.org/drawingml/2006/main" xmlns:r="http://schemas.openxmlformats.org/officeDocument/2006/relationships" xmlns:p="http://schemas.openxmlformats.org/presentationml/2006/main">
   <p:cSld>
     <p:spTree>
@@ -5685,7 +6202,7 @@
           <a:lstStyle/>
           <a:p>
             <a:r>
-              <a:rPr lang="en-US" sz="4400" b="1" dirty="0">
+              <a:rPr lang="en-US" sz="4400" b="1">
                 <a:solidFill>
                   <a:schemeClr val="accent1"/>
                 </a:solidFill>
@@ -5694,16 +6211,16 @@
               </a:rPr>
               <a:t>Problem Statement</a:t>
             </a:r>
-            <a:endParaRPr lang="en-US" sz="4400" dirty="0"/>
+            <a:endParaRPr lang="en-US" sz="4400"/>
           </a:p>
         </p:txBody>
       </p:sp>
       <p:sp>
         <p:nvSpPr>
-          <p:cNvPr id="6" name="Rectangle 2">
+          <p:cNvPr id="8" name="Rectangle 2">
             <a:extLst>
               <a:ext uri="{FF2B5EF4-FFF2-40B4-BE49-F238E27FC236}">
-                <a16:creationId xmlns:a16="http://schemas.microsoft.com/office/drawing/2014/main" id="{E6FA226B-B793-1ABD-FBA7-D34D3073B2DB}"/>
+                <a16:creationId xmlns:a16="http://schemas.microsoft.com/office/drawing/2014/main" id="{1D3153A8-D968-B917-9CCE-3F97037D5928}"/>
               </a:ext>
             </a:extLst>
           </p:cNvPr>
@@ -6235,7 +6752,7 @@
           <a:lstStyle/>
           <a:p>
             <a:r>
-              <a:rPr lang="en-US" sz="4400" b="1" dirty="0">
+              <a:rPr lang="en-US" sz="4400" b="1">
                 <a:solidFill>
                   <a:schemeClr val="accent1"/>
                 </a:solidFill>
@@ -6245,7 +6762,7 @@
               </a:rPr>
               <a:t>System  Approach</a:t>
             </a:r>
-            <a:endParaRPr lang="en-US" sz="4400" dirty="0">
+            <a:endParaRPr lang="en-US" sz="4400">
               <a:solidFill>
                 <a:schemeClr val="accent1"/>
               </a:solidFill>
@@ -6257,10 +6774,10 @@
       </p:sp>
       <p:sp>
         <p:nvSpPr>
-          <p:cNvPr id="3" name="Rectangle 1">
+          <p:cNvPr id="4" name="Rectangle 1">
             <a:extLst>
               <a:ext uri="{FF2B5EF4-FFF2-40B4-BE49-F238E27FC236}">
-                <a16:creationId xmlns:a16="http://schemas.microsoft.com/office/drawing/2014/main" id="{6F47B10D-BA02-E027-46A1-3EB9B387A427}"/>
+                <a16:creationId xmlns:a16="http://schemas.microsoft.com/office/drawing/2014/main" id="{8EF98200-117D-36DC-3608-CDD349421AC7}"/>
               </a:ext>
             </a:extLst>
           </p:cNvPr>
@@ -6905,10 +7422,10 @@
       </p:sp>
       <p:sp>
         <p:nvSpPr>
-          <p:cNvPr id="4" name="TextBox 3">
+          <p:cNvPr id="6" name="TextBox 5">
             <a:extLst>
               <a:ext uri="{FF2B5EF4-FFF2-40B4-BE49-F238E27FC236}">
-                <a16:creationId xmlns:a16="http://schemas.microsoft.com/office/drawing/2014/main" id="{5D630453-1E1A-2999-5837-56A2D7C42314}"/>
+                <a16:creationId xmlns:a16="http://schemas.microsoft.com/office/drawing/2014/main" id="{405C0605-B0ED-8536-8FB4-C4021DABE414}"/>
               </a:ext>
             </a:extLst>
           </p:cNvPr>
@@ -7086,7 +7603,7 @@
           <a:lstStyle/>
           <a:p>
             <a:r>
-              <a:rPr lang="en-US" sz="4400" b="1" dirty="0">
+              <a:rPr lang="en-US" sz="4400" b="1">
                 <a:solidFill>
                   <a:schemeClr val="accent1"/>
                 </a:solidFill>
@@ -7096,16 +7613,16 @@
               </a:rPr>
               <a:t>Algorithm &amp; Deployment</a:t>
             </a:r>
-            <a:endParaRPr lang="en-US" dirty="0"/>
+            <a:endParaRPr lang="en-US"/>
           </a:p>
         </p:txBody>
       </p:sp>
       <p:sp>
         <p:nvSpPr>
-          <p:cNvPr id="2" name="TextBox 1">
+          <p:cNvPr id="4" name="TextBox 3">
             <a:extLst>
               <a:ext uri="{FF2B5EF4-FFF2-40B4-BE49-F238E27FC236}">
-                <a16:creationId xmlns:a16="http://schemas.microsoft.com/office/drawing/2014/main" id="{640D700F-C123-F37C-0A60-F0BE84D7FBC2}"/>
+                <a16:creationId xmlns:a16="http://schemas.microsoft.com/office/drawing/2014/main" id="{FF28D28A-8C7A-0F8F-3072-A63BD58D7DB9}"/>
               </a:ext>
             </a:extLst>
           </p:cNvPr>
@@ -7354,7 +7871,13 @@
   <p:cSld>
     <p:spTree>
       <p:nvGrpSpPr>
-        <p:cNvPr id="1" name=""/>
+        <p:cNvPr id="1" name="">
+          <a:extLst>
+            <a:ext uri="{FF2B5EF4-FFF2-40B4-BE49-F238E27FC236}">
+              <a16:creationId xmlns:a16="http://schemas.microsoft.com/office/drawing/2014/main" id="{54F20F19-3232-FCD0-E48F-6210A7E81701}"/>
+            </a:ext>
+          </a:extLst>
+        </p:cNvPr>
         <p:cNvGrpSpPr/>
         <p:nvPr/>
       </p:nvGrpSpPr>
@@ -7371,7 +7894,7 @@
           <p:cNvPr id="5" name="Title 4">
             <a:extLst>
               <a:ext uri="{FF2B5EF4-FFF2-40B4-BE49-F238E27FC236}">
-                <a16:creationId xmlns:a16="http://schemas.microsoft.com/office/drawing/2014/main" id="{8FBA75B4-2DD5-42EB-9397-F36BFB8BA723}"/>
+                <a16:creationId xmlns:a16="http://schemas.microsoft.com/office/drawing/2014/main" id="{3C230409-939A-60F3-342F-342F13F94BBC}"/>
               </a:ext>
             </a:extLst>
           </p:cNvPr>
@@ -7390,7 +7913,7 @@
           <a:lstStyle/>
           <a:p>
             <a:r>
-              <a:rPr lang="en-US" sz="4400" b="1">
+              <a:rPr lang="en-US" sz="4400" b="1" dirty="0">
                 <a:solidFill>
                   <a:schemeClr val="accent1"/>
                 </a:solidFill>
@@ -7400,16 +7923,16 @@
               </a:rPr>
               <a:t>Result</a:t>
             </a:r>
-            <a:endParaRPr lang="en-US"/>
+            <a:endParaRPr lang="en-US" dirty="0"/>
           </a:p>
         </p:txBody>
       </p:sp>
       <p:pic>
         <p:nvPicPr>
-          <p:cNvPr id="13" name="Content Placeholder 12">
+          <p:cNvPr id="10" name="Content Placeholder 9">
             <a:extLst>
               <a:ext uri="{FF2B5EF4-FFF2-40B4-BE49-F238E27FC236}">
-                <a16:creationId xmlns:a16="http://schemas.microsoft.com/office/drawing/2014/main" id="{03522224-65E5-21D4-D467-BDE49373655B}"/>
+                <a16:creationId xmlns:a16="http://schemas.microsoft.com/office/drawing/2014/main" id="{637B560D-7932-614F-CF34-D75E1512782A}"/>
               </a:ext>
             </a:extLst>
           </p:cNvPr>
@@ -7422,84 +7945,21 @@
         </p:nvPicPr>
         <p:blipFill>
           <a:blip r:embed="rId2"/>
-          <a:srcRect t="-604" b="-509"/>
           <a:stretch>
             <a:fillRect/>
           </a:stretch>
         </p:blipFill>
         <p:spPr>
           <a:xfrm>
-            <a:off x="581192" y="1142260"/>
-            <a:ext cx="4605266" cy="5586344"/>
+            <a:off x="581192" y="1232452"/>
+            <a:ext cx="9869094" cy="5541085"/>
           </a:xfrm>
-        </p:spPr>
-      </p:pic>
-      <p:pic>
-        <p:nvPicPr>
-          <p:cNvPr id="15" name="Picture 14">
-            <a:extLst>
-              <a:ext uri="{FF2B5EF4-FFF2-40B4-BE49-F238E27FC236}">
-                <a16:creationId xmlns:a16="http://schemas.microsoft.com/office/drawing/2014/main" id="{BD853FDF-6A1C-FE4F-22B8-53FE70351F06}"/>
-              </a:ext>
-            </a:extLst>
-          </p:cNvPr>
-          <p:cNvPicPr>
-            <a:picLocks noChangeAspect="1"/>
-          </p:cNvPicPr>
-          <p:nvPr/>
-        </p:nvPicPr>
-        <p:blipFill>
-          <a:blip r:embed="rId3"/>
-          <a:srcRect t="-156" b="-464"/>
-          <a:stretch>
-            <a:fillRect/>
-          </a:stretch>
-        </p:blipFill>
-        <p:spPr>
-          <a:xfrm>
-            <a:off x="5307199" y="1071509"/>
-            <a:ext cx="5972580" cy="2863923"/>
-          </a:xfrm>
-          <a:prstGeom prst="rect">
-            <a:avLst/>
-          </a:prstGeom>
-        </p:spPr>
-      </p:pic>
-      <p:pic>
-        <p:nvPicPr>
-          <p:cNvPr id="19" name="Picture 18">
-            <a:extLst>
-              <a:ext uri="{FF2B5EF4-FFF2-40B4-BE49-F238E27FC236}">
-                <a16:creationId xmlns:a16="http://schemas.microsoft.com/office/drawing/2014/main" id="{14DF2A7C-8E90-6FE0-F6E4-CBB2BA41A764}"/>
-              </a:ext>
-            </a:extLst>
-          </p:cNvPr>
-          <p:cNvPicPr>
-            <a:picLocks noChangeAspect="1"/>
-          </p:cNvPicPr>
-          <p:nvPr/>
-        </p:nvPicPr>
-        <p:blipFill>
-          <a:blip r:embed="rId4"/>
-          <a:srcRect b="621"/>
-          <a:stretch>
-            <a:fillRect/>
-          </a:stretch>
-        </p:blipFill>
-        <p:spPr>
-          <a:xfrm>
-            <a:off x="5316724" y="3981857"/>
-            <a:ext cx="5065526" cy="2831675"/>
-          </a:xfrm>
-          <a:prstGeom prst="rect">
-            <a:avLst/>
-          </a:prstGeom>
         </p:spPr>
       </p:pic>
     </p:spTree>
     <p:extLst>
       <p:ext uri="{BB962C8B-B14F-4D97-AF65-F5344CB8AC3E}">
-        <p14:creationId xmlns:p14="http://schemas.microsoft.com/office/powerpoint/2010/main" val="1483293388"/>
+        <p14:creationId xmlns:p14="http://schemas.microsoft.com/office/powerpoint/2010/main" val="424615260"/>
       </p:ext>
     </p:extLst>
   </p:cSld>
@@ -7517,7 +7977,7 @@
         <p:cNvPr id="1" name="">
           <a:extLst>
             <a:ext uri="{FF2B5EF4-FFF2-40B4-BE49-F238E27FC236}">
-              <a16:creationId xmlns:a16="http://schemas.microsoft.com/office/drawing/2014/main" id="{4AA2DADB-F793-355B-D1B8-3FD83F030E47}"/>
+              <a16:creationId xmlns:a16="http://schemas.microsoft.com/office/drawing/2014/main" id="{8A027C37-3AB9-A2C7-24B6-323F1E2F89A1}"/>
             </a:ext>
           </a:extLst>
         </p:cNvPr>
@@ -7537,7 +7997,7 @@
           <p:cNvPr id="5" name="Title 4">
             <a:extLst>
               <a:ext uri="{FF2B5EF4-FFF2-40B4-BE49-F238E27FC236}">
-                <a16:creationId xmlns:a16="http://schemas.microsoft.com/office/drawing/2014/main" id="{48EACD2C-9679-2F3F-CFE8-405455C3FC81}"/>
+                <a16:creationId xmlns:a16="http://schemas.microsoft.com/office/drawing/2014/main" id="{62ECAB7F-22A6-1D0D-6260-B3F0AE5C87EC}"/>
               </a:ext>
             </a:extLst>
           </p:cNvPr>
@@ -7572,10 +8032,10 @@
       </p:sp>
       <p:pic>
         <p:nvPicPr>
-          <p:cNvPr id="11" name="Content Placeholder 10">
+          <p:cNvPr id="7" name="Content Placeholder 6">
             <a:extLst>
               <a:ext uri="{FF2B5EF4-FFF2-40B4-BE49-F238E27FC236}">
-                <a16:creationId xmlns:a16="http://schemas.microsoft.com/office/drawing/2014/main" id="{814CF68E-402D-7A9C-825D-6813BE334F81}"/>
+                <a16:creationId xmlns:a16="http://schemas.microsoft.com/office/drawing/2014/main" id="{766C5248-A3B6-9A6E-D722-E648A2D23F3B}"/>
               </a:ext>
             </a:extLst>
           </p:cNvPr>
@@ -7583,55 +8043,26 @@
             <a:picLocks noGrp="1" noChangeAspect="1"/>
           </p:cNvPicPr>
           <p:nvPr>
-            <p:ph sz="half" idx="1"/>
+            <p:ph idx="1"/>
           </p:nvPr>
         </p:nvPicPr>
         <p:blipFill>
           <a:blip r:embed="rId2"/>
-          <a:srcRect b="650"/>
           <a:stretch>
             <a:fillRect/>
           </a:stretch>
         </p:blipFill>
         <p:spPr>
           <a:xfrm>
-            <a:off x="581025" y="1118132"/>
-            <a:ext cx="6846318" cy="3558644"/>
-          </a:xfrm>
-        </p:spPr>
-      </p:pic>
-      <p:pic>
-        <p:nvPicPr>
-          <p:cNvPr id="13" name="Content Placeholder 12">
-            <a:extLst>
-              <a:ext uri="{FF2B5EF4-FFF2-40B4-BE49-F238E27FC236}">
-                <a16:creationId xmlns:a16="http://schemas.microsoft.com/office/drawing/2014/main" id="{6C9958F7-47F1-BD09-F553-60772A93798C}"/>
-              </a:ext>
-            </a:extLst>
-          </p:cNvPr>
-          <p:cNvPicPr>
-            <a:picLocks noGrp="1" noChangeAspect="1"/>
-          </p:cNvPicPr>
-          <p:nvPr>
-            <p:ph sz="half" idx="2"/>
-          </p:nvPr>
-        </p:nvPicPr>
-        <p:blipFill>
-          <a:blip r:embed="rId3"/>
-          <a:srcRect/>
-          <a:stretch/>
-        </p:blipFill>
-        <p:spPr>
-          <a:xfrm>
-            <a:off x="581025" y="4698651"/>
-            <a:ext cx="6138952" cy="2159349"/>
+            <a:off x="581193" y="1232452"/>
+            <a:ext cx="9883608" cy="5549234"/>
           </a:xfrm>
         </p:spPr>
       </p:pic>
     </p:spTree>
     <p:extLst>
       <p:ext uri="{BB962C8B-B14F-4D97-AF65-F5344CB8AC3E}">
-        <p14:creationId xmlns:p14="http://schemas.microsoft.com/office/powerpoint/2010/main" val="3358751683"/>
+        <p14:creationId xmlns:p14="http://schemas.microsoft.com/office/powerpoint/2010/main" val="1369920265"/>
       </p:ext>
     </p:extLst>
   </p:cSld>
@@ -7649,7 +8080,7 @@
         <p:cNvPr id="1" name="">
           <a:extLst>
             <a:ext uri="{FF2B5EF4-FFF2-40B4-BE49-F238E27FC236}">
-              <a16:creationId xmlns:a16="http://schemas.microsoft.com/office/drawing/2014/main" id="{6CF017B8-81D9-76A2-C8E3-0EB51CCE5AA3}"/>
+              <a16:creationId xmlns:a16="http://schemas.microsoft.com/office/drawing/2014/main" id="{7EBC006B-C4B6-A1B2-D345-5F439788B9F3}"/>
             </a:ext>
           </a:extLst>
         </p:cNvPr>
@@ -7669,7 +8100,7 @@
           <p:cNvPr id="5" name="Title 4">
             <a:extLst>
               <a:ext uri="{FF2B5EF4-FFF2-40B4-BE49-F238E27FC236}">
-                <a16:creationId xmlns:a16="http://schemas.microsoft.com/office/drawing/2014/main" id="{B2C58C11-1CEE-D0B9-BB05-5541164D8BF0}"/>
+                <a16:creationId xmlns:a16="http://schemas.microsoft.com/office/drawing/2014/main" id="{C0AC4FE4-5470-2429-2D26-5981E88AA61D}"/>
               </a:ext>
             </a:extLst>
           </p:cNvPr>
@@ -7688,7 +8119,7 @@
           <a:lstStyle/>
           <a:p>
             <a:r>
-              <a:rPr lang="en-US" sz="4400" b="1" dirty="0">
+              <a:rPr lang="en-US" sz="4400" b="1">
                 <a:solidFill>
                   <a:schemeClr val="accent1"/>
                 </a:solidFill>
@@ -7696,116 +8127,47 @@
                 <a:ea typeface="+mj-lt"/>
                 <a:cs typeface="Arial"/>
               </a:rPr>
-              <a:t>GITHUB AND DEPLOYMENT LINK</a:t>
-            </a:r>
-            <a:endParaRPr lang="en-US" dirty="0"/>
+              <a:t>Result</a:t>
+            </a:r>
+            <a:endParaRPr lang="en-US"/>
           </a:p>
         </p:txBody>
       </p:sp>
-      <p:sp>
-        <p:nvSpPr>
-          <p:cNvPr id="7" name="TextBox 6">
+      <p:pic>
+        <p:nvPicPr>
+          <p:cNvPr id="6" name="Content Placeholder 12">
             <a:extLst>
               <a:ext uri="{FF2B5EF4-FFF2-40B4-BE49-F238E27FC236}">
-                <a16:creationId xmlns:a16="http://schemas.microsoft.com/office/drawing/2014/main" id="{31F30C2C-3954-D774-2065-C93902C2FDAE}"/>
+                <a16:creationId xmlns:a16="http://schemas.microsoft.com/office/drawing/2014/main" id="{6306B5BC-DCB1-65D1-DB47-3305DCB6E2E3}"/>
               </a:ext>
             </a:extLst>
           </p:cNvPr>
-          <p:cNvSpPr txBox="1"/>
+          <p:cNvPicPr>
+            <a:picLocks noChangeAspect="1"/>
+          </p:cNvPicPr>
           <p:nvPr/>
-        </p:nvSpPr>
+        </p:nvPicPr>
+        <p:blipFill>
+          <a:blip r:embed="rId2"/>
+          <a:srcRect t="-604" b="-509"/>
+          <a:stretch>
+            <a:fillRect/>
+          </a:stretch>
+        </p:blipFill>
         <p:spPr>
           <a:xfrm>
-            <a:off x="363115" y="1994002"/>
-            <a:ext cx="12059728" cy="461665"/>
+            <a:off x="3551312" y="684414"/>
+            <a:ext cx="5089376" cy="6173586"/>
           </a:xfrm>
           <a:prstGeom prst="rect">
             <a:avLst/>
           </a:prstGeom>
-          <a:noFill/>
         </p:spPr>
-        <p:txBody>
-          <a:bodyPr wrap="square" rtlCol="0">
-            <a:spAutoFit/>
-          </a:bodyPr>
-          <a:lstStyle/>
-          <a:p>
-            <a:r>
-              <a:rPr lang="en-US" sz="2400" b="1" dirty="0" err="1"/>
-              <a:t>Github</a:t>
-            </a:r>
-            <a:r>
-              <a:rPr lang="en-US" sz="2400" b="1" dirty="0"/>
-              <a:t> Link :</a:t>
-            </a:r>
-            <a:r>
-              <a:rPr lang="en-US" sz="2000" b="1" dirty="0"/>
-              <a:t> </a:t>
-            </a:r>
-            <a:r>
-              <a:rPr lang="en-US" sz="2000" dirty="0">
-                <a:hlinkClick r:id="rId2"/>
-              </a:rPr>
-              <a:t>https://github.com/hd-bharath28/E-Commerce-Product-Showcase.git</a:t>
-            </a:r>
-            <a:r>
-              <a:rPr lang="en-US" sz="2000" dirty="0"/>
-              <a:t> - Coding files.</a:t>
-            </a:r>
-            <a:endParaRPr lang="en-IN" dirty="0"/>
-          </a:p>
-        </p:txBody>
-      </p:sp>
-      <p:sp>
-        <p:nvSpPr>
-          <p:cNvPr id="9" name="TextBox 8">
-            <a:extLst>
-              <a:ext uri="{FF2B5EF4-FFF2-40B4-BE49-F238E27FC236}">
-                <a16:creationId xmlns:a16="http://schemas.microsoft.com/office/drawing/2014/main" id="{54E733CF-74D5-3F4D-774C-096DFB7B1D96}"/>
-              </a:ext>
-            </a:extLst>
-          </p:cNvPr>
-          <p:cNvSpPr txBox="1"/>
-          <p:nvPr/>
-        </p:nvSpPr>
-        <p:spPr>
-          <a:xfrm>
-            <a:off x="363115" y="3227156"/>
-            <a:ext cx="12059728" cy="461665"/>
-          </a:xfrm>
-          <a:prstGeom prst="rect">
-            <a:avLst/>
-          </a:prstGeom>
-          <a:noFill/>
-        </p:spPr>
-        <p:txBody>
-          <a:bodyPr wrap="square" rtlCol="0">
-            <a:spAutoFit/>
-          </a:bodyPr>
-          <a:lstStyle/>
-          <a:p>
-            <a:r>
-              <a:rPr lang="en-US" sz="2400" b="1" dirty="0"/>
-              <a:t>Deployment Link : </a:t>
-            </a:r>
-            <a:r>
-              <a:rPr lang="en-US" sz="2000" dirty="0">
-                <a:hlinkClick r:id="rId3"/>
-              </a:rPr>
-              <a:t>https://hd-bharath28.github.io/E-Commerce-Product-Showcase/</a:t>
-            </a:r>
-            <a:r>
-              <a:rPr lang="en-US" sz="2000" dirty="0"/>
-              <a:t> </a:t>
-            </a:r>
-            <a:endParaRPr lang="en-IN" dirty="0"/>
-          </a:p>
-        </p:txBody>
-      </p:sp>
+      </p:pic>
     </p:spTree>
     <p:extLst>
       <p:ext uri="{BB962C8B-B14F-4D97-AF65-F5344CB8AC3E}">
-        <p14:creationId xmlns:p14="http://schemas.microsoft.com/office/powerpoint/2010/main" val="90836373"/>
+        <p14:creationId xmlns:p14="http://schemas.microsoft.com/office/powerpoint/2010/main" val="2398673616"/>
       </p:ext>
     </p:extLst>
   </p:cSld>
@@ -7820,7 +8182,13 @@
   <p:cSld>
     <p:spTree>
       <p:nvGrpSpPr>
-        <p:cNvPr id="1" name=""/>
+        <p:cNvPr id="1" name="">
+          <a:extLst>
+            <a:ext uri="{FF2B5EF4-FFF2-40B4-BE49-F238E27FC236}">
+              <a16:creationId xmlns:a16="http://schemas.microsoft.com/office/drawing/2014/main" id="{D77E9F2B-EB2B-495D-B72F-3F6DF7ED5610}"/>
+            </a:ext>
+          </a:extLst>
+        </p:cNvPr>
         <p:cNvGrpSpPr/>
         <p:nvPr/>
       </p:nvGrpSpPr>
@@ -7837,7 +8205,7 @@
           <p:cNvPr id="5" name="Title 4">
             <a:extLst>
               <a:ext uri="{FF2B5EF4-FFF2-40B4-BE49-F238E27FC236}">
-                <a16:creationId xmlns:a16="http://schemas.microsoft.com/office/drawing/2014/main" id="{8FBA75B4-2DD5-42EB-9397-F36BFB8BA723}"/>
+                <a16:creationId xmlns:a16="http://schemas.microsoft.com/office/drawing/2014/main" id="{5B26BE9C-02EC-B257-2641-E607B41BA0B3}"/>
               </a:ext>
             </a:extLst>
           </p:cNvPr>
@@ -7856,7 +8224,7 @@
           <a:lstStyle/>
           <a:p>
             <a:r>
-              <a:rPr lang="en-US" sz="4400" b="1" dirty="0">
+              <a:rPr lang="en-US" sz="4400" b="1">
                 <a:solidFill>
                   <a:schemeClr val="accent1"/>
                 </a:solidFill>
@@ -7864,213 +8232,47 @@
                 <a:ea typeface="+mj-lt"/>
                 <a:cs typeface="Arial"/>
               </a:rPr>
-              <a:t>Conclusion</a:t>
-            </a:r>
-            <a:endParaRPr lang="en-US" dirty="0"/>
+              <a:t>Result</a:t>
+            </a:r>
+            <a:endParaRPr lang="en-US"/>
           </a:p>
         </p:txBody>
       </p:sp>
-      <p:sp>
-        <p:nvSpPr>
-          <p:cNvPr id="3" name="TextBox 2">
+      <p:pic>
+        <p:nvPicPr>
+          <p:cNvPr id="6" name="Picture 5">
             <a:extLst>
               <a:ext uri="{FF2B5EF4-FFF2-40B4-BE49-F238E27FC236}">
-                <a16:creationId xmlns:a16="http://schemas.microsoft.com/office/drawing/2014/main" id="{499229C5-5927-7879-E251-57B3A57B2BAD}"/>
+                <a16:creationId xmlns:a16="http://schemas.microsoft.com/office/drawing/2014/main" id="{E802A0B8-A8F6-A762-CD0D-A191DCABA03E}"/>
               </a:ext>
             </a:extLst>
           </p:cNvPr>
-          <p:cNvSpPr txBox="1"/>
+          <p:cNvPicPr>
+            <a:picLocks noChangeAspect="1"/>
+          </p:cNvPicPr>
           <p:nvPr/>
-        </p:nvSpPr>
+        </p:nvPicPr>
+        <p:blipFill>
+          <a:blip r:embed="rId2"/>
+          <a:srcRect b="621"/>
+          <a:stretch>
+            <a:fillRect/>
+          </a:stretch>
+        </p:blipFill>
         <p:spPr>
           <a:xfrm>
-            <a:off x="581192" y="1443841"/>
-            <a:ext cx="11029616" cy="3970318"/>
+            <a:off x="581191" y="1232452"/>
+            <a:ext cx="9854580" cy="5508800"/>
           </a:xfrm>
           <a:prstGeom prst="rect">
             <a:avLst/>
           </a:prstGeom>
-          <a:noFill/>
         </p:spPr>
-        <p:txBody>
-          <a:bodyPr wrap="square" rtlCol="0">
-            <a:spAutoFit/>
-          </a:bodyPr>
-          <a:lstStyle/>
-          <a:p>
-            <a:pPr marL="285750" indent="-285750">
-              <a:buFont typeface="Arial" panose="020B0604020202020204" pitchFamily="34" charset="0"/>
-              <a:buChar char="•"/>
-            </a:pPr>
-            <a:r>
-              <a:rPr lang="en-US" dirty="0"/>
-              <a:t>This project gives small businesses a </a:t>
-            </a:r>
-            <a:r>
-              <a:rPr lang="en-US" b="1" dirty="0"/>
-              <a:t>simple and cost-free way</a:t>
-            </a:r>
-            <a:r>
-              <a:rPr lang="en-US" dirty="0"/>
-              <a:t> to show their products online.</a:t>
-            </a:r>
-          </a:p>
-          <a:p>
-            <a:pPr marL="285750" indent="-285750">
-              <a:buFont typeface="Arial" panose="020B0604020202020204" pitchFamily="34" charset="0"/>
-              <a:buChar char="•"/>
-            </a:pPr>
-            <a:endParaRPr lang="en-US" dirty="0"/>
-          </a:p>
-          <a:p>
-            <a:pPr marL="285750" indent="-285750">
-              <a:buFont typeface="Arial" panose="020B0604020202020204" pitchFamily="34" charset="0"/>
-              <a:buChar char="•"/>
-            </a:pPr>
-            <a:r>
-              <a:rPr lang="en-US" dirty="0"/>
-              <a:t>Unlike big platforms, our solution is </a:t>
-            </a:r>
-            <a:r>
-              <a:rPr lang="en-US" b="1" dirty="0"/>
-              <a:t>lightweight, easy to use, and doesn’t need a backend</a:t>
-            </a:r>
-            <a:r>
-              <a:rPr lang="en-US" dirty="0"/>
-              <a:t>.</a:t>
-            </a:r>
-          </a:p>
-          <a:p>
-            <a:pPr marL="285750" indent="-285750">
-              <a:buFont typeface="Arial" panose="020B0604020202020204" pitchFamily="34" charset="0"/>
-              <a:buChar char="•"/>
-            </a:pPr>
-            <a:endParaRPr lang="en-US" dirty="0"/>
-          </a:p>
-          <a:p>
-            <a:pPr marL="285750" indent="-285750">
-              <a:buFont typeface="Arial" panose="020B0604020202020204" pitchFamily="34" charset="0"/>
-              <a:buChar char="•"/>
-            </a:pPr>
-            <a:r>
-              <a:rPr lang="en-US" dirty="0"/>
-              <a:t>Using </a:t>
-            </a:r>
-            <a:r>
-              <a:rPr lang="en-US" b="1" dirty="0"/>
-              <a:t>HTML, CSS, and JavaScript</a:t>
-            </a:r>
-            <a:r>
-              <a:rPr lang="en-US" dirty="0"/>
-              <a:t>, I created a responsive product grid and a working cart system.</a:t>
-            </a:r>
-          </a:p>
-          <a:p>
-            <a:pPr marL="285750" indent="-285750">
-              <a:buFont typeface="Arial" panose="020B0604020202020204" pitchFamily="34" charset="0"/>
-              <a:buChar char="•"/>
-            </a:pPr>
-            <a:endParaRPr lang="en-US" dirty="0"/>
-          </a:p>
-          <a:p>
-            <a:pPr marL="285750" indent="-285750">
-              <a:buFont typeface="Arial" panose="020B0604020202020204" pitchFamily="34" charset="0"/>
-              <a:buChar char="•"/>
-            </a:pPr>
-            <a:r>
-              <a:rPr lang="en-US" dirty="0"/>
-              <a:t>Customers can </a:t>
-            </a:r>
-            <a:r>
-              <a:rPr lang="en-US" b="1" dirty="0"/>
-              <a:t>add, remove, and update products</a:t>
-            </a:r>
-            <a:r>
-              <a:rPr lang="en-US" dirty="0"/>
-              <a:t> in real time, making the experience interactive.</a:t>
-            </a:r>
-          </a:p>
-          <a:p>
-            <a:pPr marL="285750" indent="-285750">
-              <a:buFont typeface="Arial" panose="020B0604020202020204" pitchFamily="34" charset="0"/>
-              <a:buChar char="•"/>
-            </a:pPr>
-            <a:endParaRPr lang="en-US" dirty="0"/>
-          </a:p>
-          <a:p>
-            <a:pPr marL="285750" indent="-285750">
-              <a:buFont typeface="Arial" panose="020B0604020202020204" pitchFamily="34" charset="0"/>
-              <a:buChar char="•"/>
-            </a:pPr>
-            <a:r>
-              <a:rPr lang="en-US" dirty="0"/>
-              <a:t>The cart page calculates the </a:t>
-            </a:r>
-            <a:r>
-              <a:rPr lang="en-US" b="1" dirty="0"/>
-              <a:t>grand total automatically</a:t>
-            </a:r>
-            <a:r>
-              <a:rPr lang="en-US" dirty="0"/>
-              <a:t>, improving usability.</a:t>
-            </a:r>
-          </a:p>
-          <a:p>
-            <a:pPr marL="285750" indent="-285750">
-              <a:buFont typeface="Arial" panose="020B0604020202020204" pitchFamily="34" charset="0"/>
-              <a:buChar char="•"/>
-            </a:pPr>
-            <a:endParaRPr lang="en-US" dirty="0"/>
-          </a:p>
-          <a:p>
-            <a:pPr marL="285750" indent="-285750">
-              <a:buFont typeface="Arial" panose="020B0604020202020204" pitchFamily="34" charset="0"/>
-              <a:buChar char="•"/>
-            </a:pPr>
-            <a:r>
-              <a:rPr lang="en-US" dirty="0"/>
-              <a:t>The website works well on </a:t>
-            </a:r>
-            <a:r>
-              <a:rPr lang="en-US" b="1" dirty="0"/>
-              <a:t>mobile, tablet, and desktop</a:t>
-            </a:r>
-            <a:r>
-              <a:rPr lang="en-US" dirty="0"/>
-              <a:t>, so it is accessible to everyone.</a:t>
-            </a:r>
-          </a:p>
-          <a:p>
-            <a:pPr marL="285750" indent="-285750">
-              <a:buFont typeface="Arial" panose="020B0604020202020204" pitchFamily="34" charset="0"/>
-              <a:buChar char="•"/>
-            </a:pPr>
-            <a:endParaRPr lang="en-US" dirty="0"/>
-          </a:p>
-          <a:p>
-            <a:pPr marL="285750" indent="-285750">
-              <a:buFont typeface="Arial" panose="020B0604020202020204" pitchFamily="34" charset="0"/>
-              <a:buChar char="•"/>
-            </a:pPr>
-            <a:r>
-              <a:rPr lang="en-US" dirty="0"/>
-              <a:t>Finally, hosting on </a:t>
-            </a:r>
-            <a:r>
-              <a:rPr lang="en-US" b="1" dirty="0"/>
-              <a:t>GitHub/Netlify</a:t>
-            </a:r>
-            <a:r>
-              <a:rPr lang="en-US" dirty="0"/>
-              <a:t> makes it free and available anywhere, helping small shops build an online presence without extra cost.</a:t>
-            </a:r>
-          </a:p>
-        </p:txBody>
-      </p:sp>
+      </p:pic>
     </p:spTree>
     <p:extLst>
       <p:ext uri="{BB962C8B-B14F-4D97-AF65-F5344CB8AC3E}">
-        <p14:creationId xmlns:p14="http://schemas.microsoft.com/office/powerpoint/2010/main" val="3183315129"/>
+        <p14:creationId xmlns:p14="http://schemas.microsoft.com/office/powerpoint/2010/main" val="1631734112"/>
       </p:ext>
     </p:extLst>
   </p:cSld>
@@ -8645,6 +8847,15 @@
 </file>
 
 <file path=customXml/item1.xml><?xml version="1.0" encoding="utf-8"?>
+<?mso-contentType ?>
+<FormTemplates xmlns="http://schemas.microsoft.com/sharepoint/v3/contenttype/forms">
+  <Display>DocumentLibraryForm</Display>
+  <Edit>DocumentLibraryForm</Edit>
+  <New>DocumentLibraryForm</New>
+</FormTemplates>
+</file>
+
+<file path=customXml/item2.xml><?xml version="1.0" encoding="utf-8"?>
 <ct:contentTypeSchema xmlns:ct="http://schemas.microsoft.com/office/2006/metadata/contentType" xmlns:ma="http://schemas.microsoft.com/office/2006/metadata/properties/metaAttributes" ct:_="" ma:_="" ma:contentTypeName="Document" ma:contentTypeID="0x0101000F1872188ABCFC48BECA6C87E8AC3285" ma:contentTypeVersion="17" ma:contentTypeDescription="Create a new document." ma:contentTypeScope="" ma:versionID="55a158675e089c6a85ab0f83b89e1a15">
   <xsd:schema xmlns:xsd="http://www.w3.org/2001/XMLSchema" xmlns:xs="http://www.w3.org/2001/XMLSchema" xmlns:p="http://schemas.microsoft.com/office/2006/metadata/properties" xmlns:ns3="9162bd5b-4ed9-4da3-b376-05204580ba3f" xmlns:ns4="c0fa2617-96bd-425d-8578-e93563fe37c5" targetNamespace="http://schemas.microsoft.com/office/2006/metadata/properties" ma:root="true" ma:fieldsID="b35f082308864fa161c4a0a9eca35eff" ns3:_="" ns4:_="">
     <xsd:import namespace="9162bd5b-4ed9-4da3-b376-05204580ba3f"/>
@@ -8891,7 +9102,7 @@
 </ct:contentTypeSchema>
 </file>
 
-<file path=customXml/item2.xml><?xml version="1.0" encoding="utf-8"?>
+<file path=customXml/item3.xml><?xml version="1.0" encoding="utf-8"?>
 <p:properties xmlns:p="http://schemas.microsoft.com/office/2006/metadata/properties" xmlns:xsi="http://www.w3.org/2001/XMLSchema-instance" xmlns:pc="http://schemas.microsoft.com/office/infopath/2007/PartnerControls">
   <documentManagement>
     <MediaServiceKeyPoints xmlns="9162bd5b-4ed9-4da3-b376-05204580ba3f" xsi:nil="true"/>
@@ -8900,16 +9111,15 @@
 </p:properties>
 </file>
 
-<file path=customXml/item3.xml><?xml version="1.0" encoding="utf-8"?>
-<?mso-contentType ?>
-<FormTemplates xmlns="http://schemas.microsoft.com/sharepoint/v3/contenttype/forms">
-  <Display>DocumentLibraryForm</Display>
-  <Edit>DocumentLibraryForm</Edit>
-  <New>DocumentLibraryForm</New>
-</FormTemplates>
+<file path=customXml/itemProps1.xml><?xml version="1.0" encoding="utf-8"?>
+<ds:datastoreItem xmlns:ds="http://schemas.openxmlformats.org/officeDocument/2006/customXml" ds:itemID="{927BD4C1-B6B1-4715-ABF9-E660A51A4EA0}">
+  <ds:schemaRefs>
+    <ds:schemaRef ds:uri="http://schemas.microsoft.com/sharepoint/v3/contenttype/forms"/>
+  </ds:schemaRefs>
+</ds:datastoreItem>
 </file>
 
-<file path=customXml/itemProps1.xml><?xml version="1.0" encoding="utf-8"?>
+<file path=customXml/itemProps2.xml><?xml version="1.0" encoding="utf-8"?>
 <ds:datastoreItem xmlns:ds="http://schemas.openxmlformats.org/officeDocument/2006/customXml" ds:itemID="{6E816721-11E4-4989-8472-AB5A7EC20404}">
   <ds:schemaRefs>
     <ds:schemaRef ds:uri="9162bd5b-4ed9-4da3-b376-05204580ba3f"/>
@@ -8928,7 +9138,7 @@
 </ds:datastoreItem>
 </file>
 
-<file path=customXml/itemProps2.xml><?xml version="1.0" encoding="utf-8"?>
+<file path=customXml/itemProps3.xml><?xml version="1.0" encoding="utf-8"?>
 <ds:datastoreItem xmlns:ds="http://schemas.openxmlformats.org/officeDocument/2006/customXml" ds:itemID="{8D289AE2-D2AE-49D1-AFAC-3A79F6794255}">
   <ds:schemaRefs>
     <ds:schemaRef ds:uri="http://purl.org/dc/terms/"/>
@@ -8943,12 +9153,4 @@
     <ds:schemaRef ds:uri="http://purl.org/dc/dcmitype/"/>
   </ds:schemaRefs>
 </ds:datastoreItem>
-</file>
-
-<file path=customXml/itemProps3.xml><?xml version="1.0" encoding="utf-8"?>
-<ds:datastoreItem xmlns:ds="http://schemas.openxmlformats.org/officeDocument/2006/customXml" ds:itemID="{927BD4C1-B6B1-4715-ABF9-E660A51A4EA0}">
-  <ds:schemaRefs>
-    <ds:schemaRef ds:uri="http://schemas.microsoft.com/sharepoint/v3/contenttype/forms"/>
-  </ds:schemaRefs>
-</ds:datastoreItem>
 </file>